--- a/not_site_files/pres.pptx
+++ b/not_site_files/pres.pptx
@@ -121,10 +121,21 @@
   </p:defaultTextStyle>
   <p:extLst>
     <p:ext uri="{EFAFB233-063F-42B5-8137-9DF3F51BA10A}">
-      <p15:sldGuideLst xmlns:p15="http://schemas.microsoft.com/office/powerpoint/2012/main" xmlns=""/>
+      <p15:sldGuideLst xmlns:p15="http://schemas.microsoft.com/office/powerpoint/2012/main">
+        <p15:guide id="1" orient="horz" pos="2160">
+          <p15:clr>
+            <a:srgbClr val="A4A3A4"/>
+          </p15:clr>
+        </p15:guide>
+        <p15:guide id="2" pos="3840">
+          <p15:clr>
+            <a:srgbClr val="A4A3A4"/>
+          </p15:clr>
+        </p15:guide>
+      </p15:sldGuideLst>
     </p:ext>
     <p:ext uri="{2D200454-40CA-4A62-9FC3-DE9A4176ACB9}">
-      <p15:notesGuideLst xmlns:p15="http://schemas.microsoft.com/office/powerpoint/2012/main" xmlns=""/>
+      <p15:notesGuideLst xmlns:p15="http://schemas.microsoft.com/office/powerpoint/2012/main"/>
     </p:ext>
   </p:extLst>
 </p:presentation>
@@ -157,7 +168,7 @@
           <p:cNvPr id="2" name="Верхний колонтитул 1">
             <a:extLst>
               <a:ext uri="{FF2B5EF4-FFF2-40B4-BE49-F238E27FC236}">
-                <a16:creationId xmlns:a16="http://schemas.microsoft.com/office/drawing/2014/main" xmlns="" id="{0E8FF7CA-18C3-44C6-AB68-29906CDB309B}"/>
+                <a16:creationId xmlns:a16="http://schemas.microsoft.com/office/drawing/2014/main" id="{0E8FF7CA-18C3-44C6-AB68-29906CDB309B}"/>
               </a:ext>
             </a:extLst>
           </p:cNvPr>
@@ -195,7 +206,7 @@
           <p:cNvPr id="3" name="Дата 2">
             <a:extLst>
               <a:ext uri="{FF2B5EF4-FFF2-40B4-BE49-F238E27FC236}">
-                <a16:creationId xmlns:a16="http://schemas.microsoft.com/office/drawing/2014/main" xmlns="" id="{6A16451A-2B01-421B-9719-DF8A39CEAC3F}"/>
+                <a16:creationId xmlns:a16="http://schemas.microsoft.com/office/drawing/2014/main" id="{6A16451A-2B01-421B-9719-DF8A39CEAC3F}"/>
               </a:ext>
             </a:extLst>
           </p:cNvPr>
@@ -237,7 +248,7 @@
           <p:cNvPr id="4" name="Нижний колонтитул 3">
             <a:extLst>
               <a:ext uri="{FF2B5EF4-FFF2-40B4-BE49-F238E27FC236}">
-                <a16:creationId xmlns:a16="http://schemas.microsoft.com/office/drawing/2014/main" xmlns="" id="{E961ADEA-4231-4C48-AF2A-59069FB6FE84}"/>
+                <a16:creationId xmlns:a16="http://schemas.microsoft.com/office/drawing/2014/main" id="{E961ADEA-4231-4C48-AF2A-59069FB6FE84}"/>
               </a:ext>
             </a:extLst>
           </p:cNvPr>
@@ -275,7 +286,7 @@
           <p:cNvPr id="5" name="Номер слайда 4">
             <a:extLst>
               <a:ext uri="{FF2B5EF4-FFF2-40B4-BE49-F238E27FC236}">
-                <a16:creationId xmlns:a16="http://schemas.microsoft.com/office/drawing/2014/main" xmlns="" id="{6EECB3F2-E4FC-40EF-A579-2C9098EBF9AE}"/>
+                <a16:creationId xmlns:a16="http://schemas.microsoft.com/office/drawing/2014/main" id="{6EECB3F2-E4FC-40EF-A579-2C9098EBF9AE}"/>
               </a:ext>
             </a:extLst>
           </p:cNvPr>
@@ -1146,10 +1157,9 @@
           <a:lstStyle/>
           <a:p>
             <a:r>
-              <a:rPr lang="ru-RU" smtClean="0"/>
+              <a:rPr lang="ru-RU"/>
               <a:t>Образец заголовка</a:t>
             </a:r>
-            <a:endParaRPr lang="ru-RU"/>
           </a:p>
         </p:txBody>
       </p:sp>
@@ -1265,10 +1275,9 @@
           </a:lstStyle>
           <a:p>
             <a:r>
-              <a:rPr lang="ru-RU" smtClean="0"/>
+              <a:rPr lang="ru-RU"/>
               <a:t>Образец подзаголовка</a:t>
             </a:r>
-            <a:endParaRPr lang="ru-RU"/>
           </a:p>
         </p:txBody>
       </p:sp>
@@ -1289,10 +1298,9 @@
           <a:p>
             <a:pPr rtl="0"/>
             <a:r>
-              <a:rPr lang="ru-RU" noProof="0" smtClean="0"/>
+              <a:rPr lang="ru-RU" noProof="0"/>
               <a:t>02.02.20ГГ</a:t>
             </a:r>
-            <a:endParaRPr lang="ru-RU" noProof="0"/>
           </a:p>
         </p:txBody>
       </p:sp>
@@ -1313,10 +1321,9 @@
           <a:p>
             <a:pPr rtl="0"/>
             <a:r>
-              <a:rPr lang="ru-RU" spc="200" noProof="0" smtClean="0"/>
+              <a:rPr lang="ru-RU" spc="200" noProof="0"/>
               <a:t>ЗАГОЛОВОК ПРЕЗЕНТАЦИИ</a:t>
             </a:r>
-            <a:endParaRPr lang="ru-RU" spc="200" noProof="0"/>
           </a:p>
         </p:txBody>
       </p:sp>
@@ -1392,10 +1399,9 @@
           <a:lstStyle/>
           <a:p>
             <a:r>
-              <a:rPr lang="ru-RU" smtClean="0"/>
+              <a:rPr lang="ru-RU"/>
               <a:t>Образец заголовка</a:t>
             </a:r>
-            <a:endParaRPr lang="ru-RU"/>
           </a:p>
         </p:txBody>
       </p:sp>
@@ -1416,38 +1422,37 @@
           <a:p>
             <a:pPr lvl="0"/>
             <a:r>
-              <a:rPr lang="ru-RU" smtClean="0"/>
+              <a:rPr lang="ru-RU"/>
               <a:t>Образец текста</a:t>
             </a:r>
           </a:p>
           <a:p>
             <a:pPr lvl="1"/>
             <a:r>
-              <a:rPr lang="ru-RU" smtClean="0"/>
+              <a:rPr lang="ru-RU"/>
               <a:t>Второй уровень</a:t>
             </a:r>
           </a:p>
           <a:p>
             <a:pPr lvl="2"/>
             <a:r>
-              <a:rPr lang="ru-RU" smtClean="0"/>
+              <a:rPr lang="ru-RU"/>
               <a:t>Третий уровень</a:t>
             </a:r>
           </a:p>
           <a:p>
             <a:pPr lvl="3"/>
             <a:r>
-              <a:rPr lang="ru-RU" smtClean="0"/>
+              <a:rPr lang="ru-RU"/>
               <a:t>Четвертый уровень</a:t>
             </a:r>
           </a:p>
           <a:p>
             <a:pPr lvl="4"/>
             <a:r>
-              <a:rPr lang="ru-RU" smtClean="0"/>
+              <a:rPr lang="ru-RU"/>
               <a:t>Пятый уровень</a:t>
             </a:r>
-            <a:endParaRPr lang="ru-RU"/>
           </a:p>
         </p:txBody>
       </p:sp>
@@ -1468,10 +1473,9 @@
           <a:p>
             <a:pPr rtl="0"/>
             <a:r>
-              <a:rPr lang="ru-RU" noProof="0" smtClean="0"/>
+              <a:rPr lang="ru-RU" noProof="0"/>
               <a:t>02.02.20ГГ</a:t>
             </a:r>
-            <a:endParaRPr lang="ru-RU" noProof="0"/>
           </a:p>
         </p:txBody>
       </p:sp>
@@ -1492,10 +1496,9 @@
           <a:p>
             <a:pPr rtl="0"/>
             <a:r>
-              <a:rPr lang="ru-RU" spc="200" noProof="0" smtClean="0"/>
+              <a:rPr lang="ru-RU" spc="200" noProof="0"/>
               <a:t>ЗАГОЛОВОК ПРЕЗЕНТАЦИИ</a:t>
             </a:r>
-            <a:endParaRPr lang="ru-RU" spc="200" noProof="0"/>
           </a:p>
         </p:txBody>
       </p:sp>
@@ -1576,10 +1579,9 @@
           <a:lstStyle/>
           <a:p>
             <a:r>
-              <a:rPr lang="ru-RU" smtClean="0"/>
+              <a:rPr lang="ru-RU"/>
               <a:t>Образец заголовка</a:t>
             </a:r>
-            <a:endParaRPr lang="ru-RU"/>
           </a:p>
         </p:txBody>
       </p:sp>
@@ -1605,38 +1607,37 @@
           <a:p>
             <a:pPr lvl="0"/>
             <a:r>
-              <a:rPr lang="ru-RU" smtClean="0"/>
+              <a:rPr lang="ru-RU"/>
               <a:t>Образец текста</a:t>
             </a:r>
           </a:p>
           <a:p>
             <a:pPr lvl="1"/>
             <a:r>
-              <a:rPr lang="ru-RU" smtClean="0"/>
+              <a:rPr lang="ru-RU"/>
               <a:t>Второй уровень</a:t>
             </a:r>
           </a:p>
           <a:p>
             <a:pPr lvl="2"/>
             <a:r>
-              <a:rPr lang="ru-RU" smtClean="0"/>
+              <a:rPr lang="ru-RU"/>
               <a:t>Третий уровень</a:t>
             </a:r>
           </a:p>
           <a:p>
             <a:pPr lvl="3"/>
             <a:r>
-              <a:rPr lang="ru-RU" smtClean="0"/>
+              <a:rPr lang="ru-RU"/>
               <a:t>Четвертый уровень</a:t>
             </a:r>
           </a:p>
           <a:p>
             <a:pPr lvl="4"/>
             <a:r>
-              <a:rPr lang="ru-RU" smtClean="0"/>
+              <a:rPr lang="ru-RU"/>
               <a:t>Пятый уровень</a:t>
             </a:r>
-            <a:endParaRPr lang="ru-RU"/>
           </a:p>
         </p:txBody>
       </p:sp>
@@ -1657,10 +1658,9 @@
           <a:p>
             <a:pPr rtl="0"/>
             <a:r>
-              <a:rPr lang="ru-RU" noProof="0" smtClean="0"/>
+              <a:rPr lang="ru-RU" noProof="0"/>
               <a:t>02.02.20ГГ</a:t>
             </a:r>
-            <a:endParaRPr lang="ru-RU" noProof="0"/>
           </a:p>
         </p:txBody>
       </p:sp>
@@ -1681,10 +1681,9 @@
           <a:p>
             <a:pPr rtl="0"/>
             <a:r>
-              <a:rPr lang="ru-RU" spc="200" noProof="0" smtClean="0"/>
+              <a:rPr lang="ru-RU" spc="200" noProof="0"/>
               <a:t>ЗАГОЛОВОК ПРЕЗЕНТАЦИИ</a:t>
             </a:r>
-            <a:endParaRPr lang="ru-RU" spc="200" noProof="0"/>
           </a:p>
         </p:txBody>
       </p:sp>
@@ -1749,7 +1748,7 @@
           <p:cNvPr id="13" name="Заголовок 6">
             <a:extLst>
               <a:ext uri="{FF2B5EF4-FFF2-40B4-BE49-F238E27FC236}">
-                <a16:creationId xmlns:a16="http://schemas.microsoft.com/office/drawing/2014/main" xmlns="" id="{28487DA5-DCB7-4474-BDCE-999DB4109260}"/>
+                <a16:creationId xmlns:a16="http://schemas.microsoft.com/office/drawing/2014/main" id="{28487DA5-DCB7-4474-BDCE-999DB4109260}"/>
               </a:ext>
             </a:extLst>
           </p:cNvPr>
@@ -1791,7 +1790,7 @@
           <p:cNvPr id="14" name="Подзаголовок 7">
             <a:extLst>
               <a:ext uri="{FF2B5EF4-FFF2-40B4-BE49-F238E27FC236}">
-                <a16:creationId xmlns:a16="http://schemas.microsoft.com/office/drawing/2014/main" xmlns="" id="{1DA2E4DD-C8F6-49E6-BFFE-999B25D2FCF9}"/>
+                <a16:creationId xmlns:a16="http://schemas.microsoft.com/office/drawing/2014/main" id="{1DA2E4DD-C8F6-49E6-BFFE-999B25D2FCF9}"/>
               </a:ext>
             </a:extLst>
           </p:cNvPr>
@@ -1832,10 +1831,10 @@
           <p:cNvPr id="16" name="Прямая соединительная линия 15">
             <a:extLst>
               <a:ext uri="{FF2B5EF4-FFF2-40B4-BE49-F238E27FC236}">
-                <a16:creationId xmlns:a16="http://schemas.microsoft.com/office/drawing/2014/main" xmlns="" id="{13BBFE51-2F86-4B2A-8F7F-78DCD52EB59E}"/>
+                <a16:creationId xmlns:a16="http://schemas.microsoft.com/office/drawing/2014/main" id="{13BBFE51-2F86-4B2A-8F7F-78DCD52EB59E}"/>
               </a:ext>
               <a:ext uri="{C183D7F6-B498-43B3-948B-1728B52AA6E4}">
-                <adec:decorative xmlns:adec="http://schemas.microsoft.com/office/drawing/2017/decorative" xmlns="" val="1"/>
+                <adec:decorative xmlns:adec="http://schemas.microsoft.com/office/drawing/2017/decorative" val="1"/>
               </a:ext>
             </a:extLst>
           </p:cNvPr>
@@ -1878,7 +1877,7 @@
           <p:cNvPr id="20" name="Рисунок 4">
             <a:extLst>
               <a:ext uri="{FF2B5EF4-FFF2-40B4-BE49-F238E27FC236}">
-                <a16:creationId xmlns:a16="http://schemas.microsoft.com/office/drawing/2014/main" xmlns="" id="{B27F6338-E81A-4E7B-8135-E97EE9502CCD}"/>
+                <a16:creationId xmlns:a16="http://schemas.microsoft.com/office/drawing/2014/main" id="{B27F6338-E81A-4E7B-8135-E97EE9502CCD}"/>
               </a:ext>
             </a:extLst>
           </p:cNvPr>
@@ -1947,10 +1946,10 @@
           <p:cNvPr id="4" name="Прямая соединительная линия 3">
             <a:extLst>
               <a:ext uri="{FF2B5EF4-FFF2-40B4-BE49-F238E27FC236}">
-                <a16:creationId xmlns:a16="http://schemas.microsoft.com/office/drawing/2014/main" xmlns="" id="{6C472BA8-C86A-4A3E-BDE2-5B103B418B09}"/>
+                <a16:creationId xmlns:a16="http://schemas.microsoft.com/office/drawing/2014/main" id="{6C472BA8-C86A-4A3E-BDE2-5B103B418B09}"/>
               </a:ext>
               <a:ext uri="{C183D7F6-B498-43B3-948B-1728B52AA6E4}">
-                <adec:decorative xmlns:adec="http://schemas.microsoft.com/office/drawing/2017/decorative" xmlns="" val="1"/>
+                <adec:decorative xmlns:adec="http://schemas.microsoft.com/office/drawing/2017/decorative" val="1"/>
               </a:ext>
             </a:extLst>
           </p:cNvPr>
@@ -1993,7 +1992,7 @@
           <p:cNvPr id="11" name="Заголовок 1">
             <a:extLst>
               <a:ext uri="{FF2B5EF4-FFF2-40B4-BE49-F238E27FC236}">
-                <a16:creationId xmlns:a16="http://schemas.microsoft.com/office/drawing/2014/main" xmlns="" id="{A4C7BB06-8210-4B65-AD12-157991E7E36A}"/>
+                <a16:creationId xmlns:a16="http://schemas.microsoft.com/office/drawing/2014/main" id="{A4C7BB06-8210-4B65-AD12-157991E7E36A}"/>
               </a:ext>
             </a:extLst>
           </p:cNvPr>
@@ -2041,7 +2040,7 @@
           <p:cNvPr id="3" name="Объект 2">
             <a:extLst>
               <a:ext uri="{FF2B5EF4-FFF2-40B4-BE49-F238E27FC236}">
-                <a16:creationId xmlns:a16="http://schemas.microsoft.com/office/drawing/2014/main" xmlns="" id="{3703CE44-6F04-4B27-8C13-AD0131E9211D}"/>
+                <a16:creationId xmlns:a16="http://schemas.microsoft.com/office/drawing/2014/main" id="{3703CE44-6F04-4B27-8C13-AD0131E9211D}"/>
               </a:ext>
             </a:extLst>
           </p:cNvPr>
@@ -2128,7 +2127,7 @@
           <p:cNvPr id="5" name="Дата 6">
             <a:extLst>
               <a:ext uri="{FF2B5EF4-FFF2-40B4-BE49-F238E27FC236}">
-                <a16:creationId xmlns:a16="http://schemas.microsoft.com/office/drawing/2014/main" xmlns="" id="{4D71227A-06F0-4EDB-9BA6-C5AA4D028CFD}"/>
+                <a16:creationId xmlns:a16="http://schemas.microsoft.com/office/drawing/2014/main" id="{4D71227A-06F0-4EDB-9BA6-C5AA4D028CFD}"/>
               </a:ext>
             </a:extLst>
           </p:cNvPr>
@@ -2166,7 +2165,7 @@
           <p:cNvPr id="6" name="Нижний колонтитул 7">
             <a:extLst>
               <a:ext uri="{FF2B5EF4-FFF2-40B4-BE49-F238E27FC236}">
-                <a16:creationId xmlns:a16="http://schemas.microsoft.com/office/drawing/2014/main" xmlns="" id="{9F297A86-7B17-452A-9C74-D1F11ACBB1AE}"/>
+                <a16:creationId xmlns:a16="http://schemas.microsoft.com/office/drawing/2014/main" id="{9F297A86-7B17-452A-9C74-D1F11ACBB1AE}"/>
               </a:ext>
             </a:extLst>
           </p:cNvPr>
@@ -2204,7 +2203,7 @@
           <p:cNvPr id="8" name="Номер слайда 11">
             <a:extLst>
               <a:ext uri="{FF2B5EF4-FFF2-40B4-BE49-F238E27FC236}">
-                <a16:creationId xmlns:a16="http://schemas.microsoft.com/office/drawing/2014/main" xmlns="" id="{5A51317C-59B0-4A35-8F79-F4AE3B59E4E9}"/>
+                <a16:creationId xmlns:a16="http://schemas.microsoft.com/office/drawing/2014/main" id="{5A51317C-59B0-4A35-8F79-F4AE3B59E4E9}"/>
               </a:ext>
             </a:extLst>
           </p:cNvPr>
@@ -2274,7 +2273,7 @@
           <p:cNvPr id="3" name="Заголовок 1">
             <a:extLst>
               <a:ext uri="{FF2B5EF4-FFF2-40B4-BE49-F238E27FC236}">
-                <a16:creationId xmlns:a16="http://schemas.microsoft.com/office/drawing/2014/main" xmlns="" id="{451A3404-D5A9-4BC5-A2B8-5BC25368212D}"/>
+                <a16:creationId xmlns:a16="http://schemas.microsoft.com/office/drawing/2014/main" id="{451A3404-D5A9-4BC5-A2B8-5BC25368212D}"/>
               </a:ext>
             </a:extLst>
           </p:cNvPr>
@@ -2316,10 +2315,10 @@
           <p:cNvPr id="4" name="Прямая соединительная линия 3">
             <a:extLst>
               <a:ext uri="{FF2B5EF4-FFF2-40B4-BE49-F238E27FC236}">
-                <a16:creationId xmlns:a16="http://schemas.microsoft.com/office/drawing/2014/main" xmlns="" id="{B4BD8583-3FBE-444A-9F7E-DF7C6578E8D4}"/>
+                <a16:creationId xmlns:a16="http://schemas.microsoft.com/office/drawing/2014/main" id="{B4BD8583-3FBE-444A-9F7E-DF7C6578E8D4}"/>
               </a:ext>
               <a:ext uri="{C183D7F6-B498-43B3-948B-1728B52AA6E4}">
-                <adec:decorative xmlns:adec="http://schemas.microsoft.com/office/drawing/2017/decorative" xmlns="" val="1"/>
+                <adec:decorative xmlns:adec="http://schemas.microsoft.com/office/drawing/2017/decorative" val="1"/>
               </a:ext>
             </a:extLst>
           </p:cNvPr>
@@ -2362,7 +2361,7 @@
           <p:cNvPr id="5" name="Объект 2">
             <a:extLst>
               <a:ext uri="{FF2B5EF4-FFF2-40B4-BE49-F238E27FC236}">
-                <a16:creationId xmlns:a16="http://schemas.microsoft.com/office/drawing/2014/main" xmlns="" id="{74F115DF-54F8-4335-86CC-1875CD745008}"/>
+                <a16:creationId xmlns:a16="http://schemas.microsoft.com/office/drawing/2014/main" id="{74F115DF-54F8-4335-86CC-1875CD745008}"/>
               </a:ext>
             </a:extLst>
           </p:cNvPr>
@@ -2406,7 +2405,7 @@
           <p:cNvPr id="12" name="Рисунок 10">
             <a:extLst>
               <a:ext uri="{FF2B5EF4-FFF2-40B4-BE49-F238E27FC236}">
-                <a16:creationId xmlns:a16="http://schemas.microsoft.com/office/drawing/2014/main" xmlns="" id="{45F81656-BF34-4B85-ACD5-BFAE781919DA}"/>
+                <a16:creationId xmlns:a16="http://schemas.microsoft.com/office/drawing/2014/main" id="{45F81656-BF34-4B85-ACD5-BFAE781919DA}"/>
               </a:ext>
             </a:extLst>
           </p:cNvPr>
@@ -2445,7 +2444,7 @@
           <p:cNvPr id="7" name="Дата 5">
             <a:extLst>
               <a:ext uri="{FF2B5EF4-FFF2-40B4-BE49-F238E27FC236}">
-                <a16:creationId xmlns:a16="http://schemas.microsoft.com/office/drawing/2014/main" xmlns="" id="{C54CC99A-1CCA-4711-9007-627C736BDDAB}"/>
+                <a16:creationId xmlns:a16="http://schemas.microsoft.com/office/drawing/2014/main" id="{C54CC99A-1CCA-4711-9007-627C736BDDAB}"/>
               </a:ext>
             </a:extLst>
           </p:cNvPr>
@@ -2483,7 +2482,7 @@
           <p:cNvPr id="8" name="Нижний колонтитул 3">
             <a:extLst>
               <a:ext uri="{FF2B5EF4-FFF2-40B4-BE49-F238E27FC236}">
-                <a16:creationId xmlns:a16="http://schemas.microsoft.com/office/drawing/2014/main" xmlns="" id="{E513F610-B150-40E5-A881-4F4F842123BF}"/>
+                <a16:creationId xmlns:a16="http://schemas.microsoft.com/office/drawing/2014/main" id="{E513F610-B150-40E5-A881-4F4F842123BF}"/>
               </a:ext>
             </a:extLst>
           </p:cNvPr>
@@ -2521,7 +2520,7 @@
           <p:cNvPr id="13" name="Номер слайда 11">
             <a:extLst>
               <a:ext uri="{FF2B5EF4-FFF2-40B4-BE49-F238E27FC236}">
-                <a16:creationId xmlns:a16="http://schemas.microsoft.com/office/drawing/2014/main" xmlns="" id="{9C7D98EF-127D-4092-9E0B-82F254B113F7}"/>
+                <a16:creationId xmlns:a16="http://schemas.microsoft.com/office/drawing/2014/main" id="{9C7D98EF-127D-4092-9E0B-82F254B113F7}"/>
               </a:ext>
             </a:extLst>
           </p:cNvPr>
@@ -2591,10 +2590,10 @@
           <p:cNvPr id="2" name="Прямая соединительная линия 1">
             <a:extLst>
               <a:ext uri="{FF2B5EF4-FFF2-40B4-BE49-F238E27FC236}">
-                <a16:creationId xmlns:a16="http://schemas.microsoft.com/office/drawing/2014/main" xmlns="" id="{AE78D948-F2B9-4EE0-B830-36F103C218D5}"/>
+                <a16:creationId xmlns:a16="http://schemas.microsoft.com/office/drawing/2014/main" id="{AE78D948-F2B9-4EE0-B830-36F103C218D5}"/>
               </a:ext>
               <a:ext uri="{C183D7F6-B498-43B3-948B-1728B52AA6E4}">
-                <adec:decorative xmlns:adec="http://schemas.microsoft.com/office/drawing/2017/decorative" xmlns="" val="1"/>
+                <adec:decorative xmlns:adec="http://schemas.microsoft.com/office/drawing/2017/decorative" val="1"/>
               </a:ext>
             </a:extLst>
           </p:cNvPr>
@@ -2637,7 +2636,7 @@
           <p:cNvPr id="13" name="Заголовок 1">
             <a:extLst>
               <a:ext uri="{FF2B5EF4-FFF2-40B4-BE49-F238E27FC236}">
-                <a16:creationId xmlns:a16="http://schemas.microsoft.com/office/drawing/2014/main" xmlns="" id="{66B9A2D2-0473-4F46-BFCE-D626532960A5}"/>
+                <a16:creationId xmlns:a16="http://schemas.microsoft.com/office/drawing/2014/main" id="{66B9A2D2-0473-4F46-BFCE-D626532960A5}"/>
               </a:ext>
             </a:extLst>
           </p:cNvPr>
@@ -2685,7 +2684,7 @@
           <p:cNvPr id="6" name="Текст 10">
             <a:extLst>
               <a:ext uri="{FF2B5EF4-FFF2-40B4-BE49-F238E27FC236}">
-                <a16:creationId xmlns:a16="http://schemas.microsoft.com/office/drawing/2014/main" xmlns="" id="{C7203DC6-5779-4D18-8EDA-B417CE1CC346}"/>
+                <a16:creationId xmlns:a16="http://schemas.microsoft.com/office/drawing/2014/main" id="{C7203DC6-5779-4D18-8EDA-B417CE1CC346}"/>
               </a:ext>
             </a:extLst>
           </p:cNvPr>
@@ -2731,7 +2730,7 @@
           <p:cNvPr id="7" name="Текст 12">
             <a:extLst>
               <a:ext uri="{FF2B5EF4-FFF2-40B4-BE49-F238E27FC236}">
-                <a16:creationId xmlns:a16="http://schemas.microsoft.com/office/drawing/2014/main" xmlns="" id="{65286B5D-8C3D-49BC-A56B-54C3D0FBC782}"/>
+                <a16:creationId xmlns:a16="http://schemas.microsoft.com/office/drawing/2014/main" id="{65286B5D-8C3D-49BC-A56B-54C3D0FBC782}"/>
               </a:ext>
             </a:extLst>
           </p:cNvPr>
@@ -2781,7 +2780,7 @@
           <p:cNvPr id="15" name="Текст 10">
             <a:extLst>
               <a:ext uri="{FF2B5EF4-FFF2-40B4-BE49-F238E27FC236}">
-                <a16:creationId xmlns:a16="http://schemas.microsoft.com/office/drawing/2014/main" xmlns="" id="{9C8FA9F2-E665-4A1C-AB30-847F4A2000E9}"/>
+                <a16:creationId xmlns:a16="http://schemas.microsoft.com/office/drawing/2014/main" id="{9C8FA9F2-E665-4A1C-AB30-847F4A2000E9}"/>
               </a:ext>
             </a:extLst>
           </p:cNvPr>
@@ -2827,7 +2826,7 @@
           <p:cNvPr id="16" name="Текст 12">
             <a:extLst>
               <a:ext uri="{FF2B5EF4-FFF2-40B4-BE49-F238E27FC236}">
-                <a16:creationId xmlns:a16="http://schemas.microsoft.com/office/drawing/2014/main" xmlns="" id="{3C54263D-50A7-43A8-A3BC-BE063187A830}"/>
+                <a16:creationId xmlns:a16="http://schemas.microsoft.com/office/drawing/2014/main" id="{3C54263D-50A7-43A8-A3BC-BE063187A830}"/>
               </a:ext>
             </a:extLst>
           </p:cNvPr>
@@ -2877,7 +2876,7 @@
           <p:cNvPr id="17" name="Текст 10">
             <a:extLst>
               <a:ext uri="{FF2B5EF4-FFF2-40B4-BE49-F238E27FC236}">
-                <a16:creationId xmlns:a16="http://schemas.microsoft.com/office/drawing/2014/main" xmlns="" id="{6DD25081-6CEB-4E5B-A7E5-8100DE67323D}"/>
+                <a16:creationId xmlns:a16="http://schemas.microsoft.com/office/drawing/2014/main" id="{6DD25081-6CEB-4E5B-A7E5-8100DE67323D}"/>
               </a:ext>
             </a:extLst>
           </p:cNvPr>
@@ -2923,7 +2922,7 @@
           <p:cNvPr id="18" name="Текст 12">
             <a:extLst>
               <a:ext uri="{FF2B5EF4-FFF2-40B4-BE49-F238E27FC236}">
-                <a16:creationId xmlns:a16="http://schemas.microsoft.com/office/drawing/2014/main" xmlns="" id="{B40E43BE-19E7-4C92-A02A-A747188A1130}"/>
+                <a16:creationId xmlns:a16="http://schemas.microsoft.com/office/drawing/2014/main" id="{B40E43BE-19E7-4C92-A02A-A747188A1130}"/>
               </a:ext>
             </a:extLst>
           </p:cNvPr>
@@ -2973,7 +2972,7 @@
           <p:cNvPr id="3" name="Дата 5">
             <a:extLst>
               <a:ext uri="{FF2B5EF4-FFF2-40B4-BE49-F238E27FC236}">
-                <a16:creationId xmlns:a16="http://schemas.microsoft.com/office/drawing/2014/main" xmlns="" id="{0364CC8C-A596-4C30-BE97-FF78E042451D}"/>
+                <a16:creationId xmlns:a16="http://schemas.microsoft.com/office/drawing/2014/main" id="{0364CC8C-A596-4C30-BE97-FF78E042451D}"/>
               </a:ext>
             </a:extLst>
           </p:cNvPr>
@@ -3011,7 +3010,7 @@
           <p:cNvPr id="4" name="Нижний колонтитул 3">
             <a:extLst>
               <a:ext uri="{FF2B5EF4-FFF2-40B4-BE49-F238E27FC236}">
-                <a16:creationId xmlns:a16="http://schemas.microsoft.com/office/drawing/2014/main" xmlns="" id="{716E94F2-5327-4ECE-B9D6-26CA834459B1}"/>
+                <a16:creationId xmlns:a16="http://schemas.microsoft.com/office/drawing/2014/main" id="{716E94F2-5327-4ECE-B9D6-26CA834459B1}"/>
               </a:ext>
             </a:extLst>
           </p:cNvPr>
@@ -3045,7 +3044,7 @@
           <p:cNvPr id="14" name="Номер слайда 11">
             <a:extLst>
               <a:ext uri="{FF2B5EF4-FFF2-40B4-BE49-F238E27FC236}">
-                <a16:creationId xmlns:a16="http://schemas.microsoft.com/office/drawing/2014/main" xmlns="" id="{F9BB08CB-1C70-40D7-A67C-2EF5BFFEF9C3}"/>
+                <a16:creationId xmlns:a16="http://schemas.microsoft.com/office/drawing/2014/main" id="{F9BB08CB-1C70-40D7-A67C-2EF5BFFEF9C3}"/>
               </a:ext>
             </a:extLst>
           </p:cNvPr>
@@ -3115,7 +3114,7 @@
           <p:cNvPr id="11" name="Заголовок 1">
             <a:extLst>
               <a:ext uri="{FF2B5EF4-FFF2-40B4-BE49-F238E27FC236}">
-                <a16:creationId xmlns:a16="http://schemas.microsoft.com/office/drawing/2014/main" xmlns="" id="{7C226849-4911-4156-8A09-2F8021BB6243}"/>
+                <a16:creationId xmlns:a16="http://schemas.microsoft.com/office/drawing/2014/main" id="{7C226849-4911-4156-8A09-2F8021BB6243}"/>
               </a:ext>
             </a:extLst>
           </p:cNvPr>
@@ -3157,10 +3156,10 @@
           <p:cNvPr id="12" name="Прямая соединительная линия 11">
             <a:extLst>
               <a:ext uri="{FF2B5EF4-FFF2-40B4-BE49-F238E27FC236}">
-                <a16:creationId xmlns:a16="http://schemas.microsoft.com/office/drawing/2014/main" xmlns="" id="{89EDBB71-02D9-4513-9A6D-F8246A0E501D}"/>
+                <a16:creationId xmlns:a16="http://schemas.microsoft.com/office/drawing/2014/main" id="{89EDBB71-02D9-4513-9A6D-F8246A0E501D}"/>
               </a:ext>
               <a:ext uri="{C183D7F6-B498-43B3-948B-1728B52AA6E4}">
-                <adec:decorative xmlns:adec="http://schemas.microsoft.com/office/drawing/2017/decorative" xmlns="" val="1"/>
+                <adec:decorative xmlns:adec="http://schemas.microsoft.com/office/drawing/2017/decorative" val="1"/>
               </a:ext>
             </a:extLst>
           </p:cNvPr>
@@ -3203,7 +3202,7 @@
           <p:cNvPr id="13" name="Объект 2">
             <a:extLst>
               <a:ext uri="{FF2B5EF4-FFF2-40B4-BE49-F238E27FC236}">
-                <a16:creationId xmlns:a16="http://schemas.microsoft.com/office/drawing/2014/main" xmlns="" id="{3D7A8221-ABAC-45E1-98D1-6FBB8565DCE4}"/>
+                <a16:creationId xmlns:a16="http://schemas.microsoft.com/office/drawing/2014/main" id="{3D7A8221-ABAC-45E1-98D1-6FBB8565DCE4}"/>
               </a:ext>
             </a:extLst>
           </p:cNvPr>
@@ -3247,7 +3246,7 @@
           <p:cNvPr id="22" name="Рисунок 18">
             <a:extLst>
               <a:ext uri="{FF2B5EF4-FFF2-40B4-BE49-F238E27FC236}">
-                <a16:creationId xmlns:a16="http://schemas.microsoft.com/office/drawing/2014/main" xmlns="" id="{00098A9B-BD9F-4E67-AB5F-A280BC914130}"/>
+                <a16:creationId xmlns:a16="http://schemas.microsoft.com/office/drawing/2014/main" id="{00098A9B-BD9F-4E67-AB5F-A280BC914130}"/>
               </a:ext>
             </a:extLst>
           </p:cNvPr>
@@ -3286,7 +3285,7 @@
           <p:cNvPr id="23" name="Рисунок 20">
             <a:extLst>
               <a:ext uri="{FF2B5EF4-FFF2-40B4-BE49-F238E27FC236}">
-                <a16:creationId xmlns:a16="http://schemas.microsoft.com/office/drawing/2014/main" xmlns="" id="{D6529E84-FFD6-4547-9301-DD080AB8CE94}"/>
+                <a16:creationId xmlns:a16="http://schemas.microsoft.com/office/drawing/2014/main" id="{D6529E84-FFD6-4547-9301-DD080AB8CE94}"/>
               </a:ext>
             </a:extLst>
           </p:cNvPr>
@@ -3325,7 +3324,7 @@
           <p:cNvPr id="16" name="Дата 5">
             <a:extLst>
               <a:ext uri="{FF2B5EF4-FFF2-40B4-BE49-F238E27FC236}">
-                <a16:creationId xmlns:a16="http://schemas.microsoft.com/office/drawing/2014/main" xmlns="" id="{7E7086C0-AADF-4D58-BFB3-165425B31865}"/>
+                <a16:creationId xmlns:a16="http://schemas.microsoft.com/office/drawing/2014/main" id="{7E7086C0-AADF-4D58-BFB3-165425B31865}"/>
               </a:ext>
             </a:extLst>
           </p:cNvPr>
@@ -3363,7 +3362,7 @@
           <p:cNvPr id="17" name="Нижний колонтитул 3">
             <a:extLst>
               <a:ext uri="{FF2B5EF4-FFF2-40B4-BE49-F238E27FC236}">
-                <a16:creationId xmlns:a16="http://schemas.microsoft.com/office/drawing/2014/main" xmlns="" id="{314B5571-19B2-423C-A0C4-62B5ED984973}"/>
+                <a16:creationId xmlns:a16="http://schemas.microsoft.com/office/drawing/2014/main" id="{314B5571-19B2-423C-A0C4-62B5ED984973}"/>
               </a:ext>
             </a:extLst>
           </p:cNvPr>
@@ -3401,7 +3400,7 @@
           <p:cNvPr id="10" name="Номер слайда 11">
             <a:extLst>
               <a:ext uri="{FF2B5EF4-FFF2-40B4-BE49-F238E27FC236}">
-                <a16:creationId xmlns:a16="http://schemas.microsoft.com/office/drawing/2014/main" xmlns="" id="{ED5A0CED-3AE4-4EF7-BDA2-E356348354AC}"/>
+                <a16:creationId xmlns:a16="http://schemas.microsoft.com/office/drawing/2014/main" id="{ED5A0CED-3AE4-4EF7-BDA2-E356348354AC}"/>
               </a:ext>
             </a:extLst>
           </p:cNvPr>
@@ -3471,10 +3470,10 @@
           <p:cNvPr id="5" name="Прямая соединительная линия 4">
             <a:extLst>
               <a:ext uri="{FF2B5EF4-FFF2-40B4-BE49-F238E27FC236}">
-                <a16:creationId xmlns:a16="http://schemas.microsoft.com/office/drawing/2014/main" xmlns="" id="{1787F79D-9EFD-4F24-B92B-3DEF507C6FC1}"/>
+                <a16:creationId xmlns:a16="http://schemas.microsoft.com/office/drawing/2014/main" id="{1787F79D-9EFD-4F24-B92B-3DEF507C6FC1}"/>
               </a:ext>
               <a:ext uri="{C183D7F6-B498-43B3-948B-1728B52AA6E4}">
-                <adec:decorative xmlns:adec="http://schemas.microsoft.com/office/drawing/2017/decorative" xmlns="" val="1"/>
+                <adec:decorative xmlns:adec="http://schemas.microsoft.com/office/drawing/2017/decorative" val="1"/>
               </a:ext>
             </a:extLst>
           </p:cNvPr>
@@ -3517,7 +3516,7 @@
           <p:cNvPr id="13" name="Заголовок 1">
             <a:extLst>
               <a:ext uri="{FF2B5EF4-FFF2-40B4-BE49-F238E27FC236}">
-                <a16:creationId xmlns:a16="http://schemas.microsoft.com/office/drawing/2014/main" xmlns="" id="{12758C89-0197-4B72-BA43-2CC4DE73F747}"/>
+                <a16:creationId xmlns:a16="http://schemas.microsoft.com/office/drawing/2014/main" id="{12758C89-0197-4B72-BA43-2CC4DE73F747}"/>
               </a:ext>
             </a:extLst>
           </p:cNvPr>
@@ -3565,7 +3564,7 @@
           <p:cNvPr id="16" name="Текст 13">
             <a:extLst>
               <a:ext uri="{FF2B5EF4-FFF2-40B4-BE49-F238E27FC236}">
-                <a16:creationId xmlns:a16="http://schemas.microsoft.com/office/drawing/2014/main" xmlns="" id="{37D2E7B5-A506-45AA-881E-1EF6A0EB07CC}"/>
+                <a16:creationId xmlns:a16="http://schemas.microsoft.com/office/drawing/2014/main" id="{37D2E7B5-A506-45AA-881E-1EF6A0EB07CC}"/>
               </a:ext>
             </a:extLst>
           </p:cNvPr>
@@ -3613,7 +3612,7 @@
           <p:cNvPr id="25" name="Рисунок 17">
             <a:extLst>
               <a:ext uri="{FF2B5EF4-FFF2-40B4-BE49-F238E27FC236}">
-                <a16:creationId xmlns:a16="http://schemas.microsoft.com/office/drawing/2014/main" xmlns="" id="{751E77E5-BC2E-4851-A46B-1081DBFEE180}"/>
+                <a16:creationId xmlns:a16="http://schemas.microsoft.com/office/drawing/2014/main" id="{751E77E5-BC2E-4851-A46B-1081DBFEE180}"/>
               </a:ext>
             </a:extLst>
           </p:cNvPr>
@@ -3652,7 +3651,7 @@
           <p:cNvPr id="26" name="Рисунок 19">
             <a:extLst>
               <a:ext uri="{FF2B5EF4-FFF2-40B4-BE49-F238E27FC236}">
-                <a16:creationId xmlns:a16="http://schemas.microsoft.com/office/drawing/2014/main" xmlns="" id="{5ADD8D61-5FF6-4FF8-A853-94978CE2BF08}"/>
+                <a16:creationId xmlns:a16="http://schemas.microsoft.com/office/drawing/2014/main" id="{5ADD8D61-5FF6-4FF8-A853-94978CE2BF08}"/>
               </a:ext>
             </a:extLst>
           </p:cNvPr>
@@ -3691,7 +3690,7 @@
           <p:cNvPr id="27" name="Рисунок 21">
             <a:extLst>
               <a:ext uri="{FF2B5EF4-FFF2-40B4-BE49-F238E27FC236}">
-                <a16:creationId xmlns:a16="http://schemas.microsoft.com/office/drawing/2014/main" xmlns="" id="{7217B0CF-D153-4F21-B2F3-3736BFEE8B20}"/>
+                <a16:creationId xmlns:a16="http://schemas.microsoft.com/office/drawing/2014/main" id="{7217B0CF-D153-4F21-B2F3-3736BFEE8B20}"/>
               </a:ext>
             </a:extLst>
           </p:cNvPr>
@@ -3730,7 +3729,7 @@
           <p:cNvPr id="28" name="Рисунок 23">
             <a:extLst>
               <a:ext uri="{FF2B5EF4-FFF2-40B4-BE49-F238E27FC236}">
-                <a16:creationId xmlns:a16="http://schemas.microsoft.com/office/drawing/2014/main" xmlns="" id="{46C9A6A5-13C0-4A42-B695-F3511DCA96A4}"/>
+                <a16:creationId xmlns:a16="http://schemas.microsoft.com/office/drawing/2014/main" id="{46C9A6A5-13C0-4A42-B695-F3511DCA96A4}"/>
               </a:ext>
             </a:extLst>
           </p:cNvPr>
@@ -3769,7 +3768,7 @@
           <p:cNvPr id="10" name="Дата 5">
             <a:extLst>
               <a:ext uri="{FF2B5EF4-FFF2-40B4-BE49-F238E27FC236}">
-                <a16:creationId xmlns:a16="http://schemas.microsoft.com/office/drawing/2014/main" xmlns="" id="{DD1D6B44-0E3B-4C46-B068-14568BF01DF7}"/>
+                <a16:creationId xmlns:a16="http://schemas.microsoft.com/office/drawing/2014/main" id="{DD1D6B44-0E3B-4C46-B068-14568BF01DF7}"/>
               </a:ext>
             </a:extLst>
           </p:cNvPr>
@@ -3807,7 +3806,7 @@
           <p:cNvPr id="11" name="Нижний колонтитул 3">
             <a:extLst>
               <a:ext uri="{FF2B5EF4-FFF2-40B4-BE49-F238E27FC236}">
-                <a16:creationId xmlns:a16="http://schemas.microsoft.com/office/drawing/2014/main" xmlns="" id="{FB72C5E2-290F-4D02-842B-932296C10DF0}"/>
+                <a16:creationId xmlns:a16="http://schemas.microsoft.com/office/drawing/2014/main" id="{FB72C5E2-290F-4D02-842B-932296C10DF0}"/>
               </a:ext>
             </a:extLst>
           </p:cNvPr>
@@ -3841,7 +3840,7 @@
           <p:cNvPr id="14" name="Номер слайда 11">
             <a:extLst>
               <a:ext uri="{FF2B5EF4-FFF2-40B4-BE49-F238E27FC236}">
-                <a16:creationId xmlns:a16="http://schemas.microsoft.com/office/drawing/2014/main" xmlns="" id="{E3152744-4FDB-4426-90C5-B204EE645EFA}"/>
+                <a16:creationId xmlns:a16="http://schemas.microsoft.com/office/drawing/2014/main" id="{E3152744-4FDB-4426-90C5-B204EE645EFA}"/>
               </a:ext>
             </a:extLst>
           </p:cNvPr>
@@ -3911,10 +3910,10 @@
           <p:cNvPr id="6" name="Прямая соединительная линия 5">
             <a:extLst>
               <a:ext uri="{FF2B5EF4-FFF2-40B4-BE49-F238E27FC236}">
-                <a16:creationId xmlns:a16="http://schemas.microsoft.com/office/drawing/2014/main" xmlns="" id="{80307A1A-4AC6-459C-9531-704CF376725C}"/>
+                <a16:creationId xmlns:a16="http://schemas.microsoft.com/office/drawing/2014/main" id="{80307A1A-4AC6-459C-9531-704CF376725C}"/>
               </a:ext>
               <a:ext uri="{C183D7F6-B498-43B3-948B-1728B52AA6E4}">
-                <adec:decorative xmlns:adec="http://schemas.microsoft.com/office/drawing/2017/decorative" xmlns="" val="1"/>
+                <adec:decorative xmlns:adec="http://schemas.microsoft.com/office/drawing/2017/decorative" val="1"/>
               </a:ext>
             </a:extLst>
           </p:cNvPr>
@@ -3955,7 +3954,7 @@
           <p:cNvPr id="2" name="Заголовок 1">
             <a:extLst>
               <a:ext uri="{FF2B5EF4-FFF2-40B4-BE49-F238E27FC236}">
-                <a16:creationId xmlns:a16="http://schemas.microsoft.com/office/drawing/2014/main" xmlns="" id="{44D2BF6B-AD6F-4BC9-B5A6-BC7741CD0374}"/>
+                <a16:creationId xmlns:a16="http://schemas.microsoft.com/office/drawing/2014/main" id="{44D2BF6B-AD6F-4BC9-B5A6-BC7741CD0374}"/>
               </a:ext>
             </a:extLst>
           </p:cNvPr>
@@ -4003,7 +4002,7 @@
           <p:cNvPr id="15" name="Рисунок 11">
             <a:extLst>
               <a:ext uri="{FF2B5EF4-FFF2-40B4-BE49-F238E27FC236}">
-                <a16:creationId xmlns:a16="http://schemas.microsoft.com/office/drawing/2014/main" xmlns="" id="{8FB06AF1-CFEB-40E6-A617-E9CA5CF8B66D}"/>
+                <a16:creationId xmlns:a16="http://schemas.microsoft.com/office/drawing/2014/main" id="{8FB06AF1-CFEB-40E6-A617-E9CA5CF8B66D}"/>
               </a:ext>
             </a:extLst>
           </p:cNvPr>
@@ -4042,7 +4041,7 @@
           <p:cNvPr id="16" name="Рисунок 13">
             <a:extLst>
               <a:ext uri="{FF2B5EF4-FFF2-40B4-BE49-F238E27FC236}">
-                <a16:creationId xmlns:a16="http://schemas.microsoft.com/office/drawing/2014/main" xmlns="" id="{62D71E4C-2705-4622-887B-1F1262DB9127}"/>
+                <a16:creationId xmlns:a16="http://schemas.microsoft.com/office/drawing/2014/main" id="{62D71E4C-2705-4622-887B-1F1262DB9127}"/>
               </a:ext>
             </a:extLst>
           </p:cNvPr>
@@ -4081,7 +4080,7 @@
           <p:cNvPr id="7" name="Объект 2">
             <a:extLst>
               <a:ext uri="{FF2B5EF4-FFF2-40B4-BE49-F238E27FC236}">
-                <a16:creationId xmlns:a16="http://schemas.microsoft.com/office/drawing/2014/main" xmlns="" id="{5431B6C7-1096-4AD3-9D48-AA45F0B2185D}"/>
+                <a16:creationId xmlns:a16="http://schemas.microsoft.com/office/drawing/2014/main" id="{5431B6C7-1096-4AD3-9D48-AA45F0B2185D}"/>
               </a:ext>
             </a:extLst>
           </p:cNvPr>
@@ -4124,7 +4123,7 @@
           <p:cNvPr id="9" name="Дата 9">
             <a:extLst>
               <a:ext uri="{FF2B5EF4-FFF2-40B4-BE49-F238E27FC236}">
-                <a16:creationId xmlns:a16="http://schemas.microsoft.com/office/drawing/2014/main" xmlns="" id="{3C3DC7A9-2932-431E-8EC0-CFA4B2CF6493}"/>
+                <a16:creationId xmlns:a16="http://schemas.microsoft.com/office/drawing/2014/main" id="{3C3DC7A9-2932-431E-8EC0-CFA4B2CF6493}"/>
               </a:ext>
             </a:extLst>
           </p:cNvPr>
@@ -4162,7 +4161,7 @@
           <p:cNvPr id="8" name="Нижний колонтитул 10">
             <a:extLst>
               <a:ext uri="{FF2B5EF4-FFF2-40B4-BE49-F238E27FC236}">
-                <a16:creationId xmlns:a16="http://schemas.microsoft.com/office/drawing/2014/main" xmlns="" id="{A97579B5-432F-4A2F-A65A-D2FACF71A351}"/>
+                <a16:creationId xmlns:a16="http://schemas.microsoft.com/office/drawing/2014/main" id="{A97579B5-432F-4A2F-A65A-D2FACF71A351}"/>
               </a:ext>
             </a:extLst>
           </p:cNvPr>
@@ -4196,7 +4195,7 @@
           <p:cNvPr id="14" name="Номер слайда 11">
             <a:extLst>
               <a:ext uri="{FF2B5EF4-FFF2-40B4-BE49-F238E27FC236}">
-                <a16:creationId xmlns:a16="http://schemas.microsoft.com/office/drawing/2014/main" xmlns="" id="{F320B19E-E872-42A8-AA5D-7F84287BD009}"/>
+                <a16:creationId xmlns:a16="http://schemas.microsoft.com/office/drawing/2014/main" id="{F320B19E-E872-42A8-AA5D-7F84287BD009}"/>
               </a:ext>
             </a:extLst>
           </p:cNvPr>
@@ -4266,7 +4265,7 @@
           <p:cNvPr id="10" name="Заголовок 6">
             <a:extLst>
               <a:ext uri="{FF2B5EF4-FFF2-40B4-BE49-F238E27FC236}">
-                <a16:creationId xmlns:a16="http://schemas.microsoft.com/office/drawing/2014/main" xmlns="" id="{8F9B17DB-D85A-4B5F-A44F-4BAD5975CB0B}"/>
+                <a16:creationId xmlns:a16="http://schemas.microsoft.com/office/drawing/2014/main" id="{8F9B17DB-D85A-4B5F-A44F-4BAD5975CB0B}"/>
               </a:ext>
             </a:extLst>
           </p:cNvPr>
@@ -4308,7 +4307,7 @@
           <p:cNvPr id="15" name="Подзаголовок 7">
             <a:extLst>
               <a:ext uri="{FF2B5EF4-FFF2-40B4-BE49-F238E27FC236}">
-                <a16:creationId xmlns:a16="http://schemas.microsoft.com/office/drawing/2014/main" xmlns="" id="{4582DBBD-4E7B-4825-A55A-B28211141C4D}"/>
+                <a16:creationId xmlns:a16="http://schemas.microsoft.com/office/drawing/2014/main" id="{4582DBBD-4E7B-4825-A55A-B28211141C4D}"/>
               </a:ext>
             </a:extLst>
           </p:cNvPr>
@@ -4349,10 +4348,10 @@
           <p:cNvPr id="18" name="Прямая соединительная линия 17">
             <a:extLst>
               <a:ext uri="{FF2B5EF4-FFF2-40B4-BE49-F238E27FC236}">
-                <a16:creationId xmlns:a16="http://schemas.microsoft.com/office/drawing/2014/main" xmlns="" id="{2E7AB31A-4165-4478-8B2E-0C5398550476}"/>
+                <a16:creationId xmlns:a16="http://schemas.microsoft.com/office/drawing/2014/main" id="{2E7AB31A-4165-4478-8B2E-0C5398550476}"/>
               </a:ext>
               <a:ext uri="{C183D7F6-B498-43B3-948B-1728B52AA6E4}">
-                <adec:decorative xmlns:adec="http://schemas.microsoft.com/office/drawing/2017/decorative" xmlns="" val="1"/>
+                <adec:decorative xmlns:adec="http://schemas.microsoft.com/office/drawing/2017/decorative" val="1"/>
               </a:ext>
             </a:extLst>
           </p:cNvPr>
@@ -4395,7 +4394,7 @@
           <p:cNvPr id="25" name="Рисунок 2">
             <a:extLst>
               <a:ext uri="{FF2B5EF4-FFF2-40B4-BE49-F238E27FC236}">
-                <a16:creationId xmlns:a16="http://schemas.microsoft.com/office/drawing/2014/main" xmlns="" id="{E2291097-923C-4C79-A2E1-C0C1C5F94393}"/>
+                <a16:creationId xmlns:a16="http://schemas.microsoft.com/office/drawing/2014/main" id="{E2291097-923C-4C79-A2E1-C0C1C5F94393}"/>
               </a:ext>
             </a:extLst>
           </p:cNvPr>
@@ -4434,7 +4433,7 @@
           <p:cNvPr id="26" name="Рисунок 4">
             <a:extLst>
               <a:ext uri="{FF2B5EF4-FFF2-40B4-BE49-F238E27FC236}">
-                <a16:creationId xmlns:a16="http://schemas.microsoft.com/office/drawing/2014/main" xmlns="" id="{BD63B57D-B7E5-4B5F-BA72-251478B503AA}"/>
+                <a16:creationId xmlns:a16="http://schemas.microsoft.com/office/drawing/2014/main" id="{BD63B57D-B7E5-4B5F-BA72-251478B503AA}"/>
               </a:ext>
             </a:extLst>
           </p:cNvPr>
@@ -4473,7 +4472,7 @@
           <p:cNvPr id="27" name="Рисунок 6">
             <a:extLst>
               <a:ext uri="{FF2B5EF4-FFF2-40B4-BE49-F238E27FC236}">
-                <a16:creationId xmlns:a16="http://schemas.microsoft.com/office/drawing/2014/main" xmlns="" id="{5C8C147E-814C-4008-8C13-0216089EF54B}"/>
+                <a16:creationId xmlns:a16="http://schemas.microsoft.com/office/drawing/2014/main" id="{5C8C147E-814C-4008-8C13-0216089EF54B}"/>
               </a:ext>
             </a:extLst>
           </p:cNvPr>
@@ -4553,10 +4552,9 @@
           <a:lstStyle/>
           <a:p>
             <a:r>
-              <a:rPr lang="ru-RU" smtClean="0"/>
+              <a:rPr lang="ru-RU"/>
               <a:t>Образец заголовка</a:t>
             </a:r>
-            <a:endParaRPr lang="ru-RU"/>
           </a:p>
         </p:txBody>
       </p:sp>
@@ -4577,38 +4575,37 @@
           <a:p>
             <a:pPr lvl="0"/>
             <a:r>
-              <a:rPr lang="ru-RU" smtClean="0"/>
+              <a:rPr lang="ru-RU"/>
               <a:t>Образец текста</a:t>
             </a:r>
           </a:p>
           <a:p>
             <a:pPr lvl="1"/>
             <a:r>
-              <a:rPr lang="ru-RU" smtClean="0"/>
+              <a:rPr lang="ru-RU"/>
               <a:t>Второй уровень</a:t>
             </a:r>
           </a:p>
           <a:p>
             <a:pPr lvl="2"/>
             <a:r>
-              <a:rPr lang="ru-RU" smtClean="0"/>
+              <a:rPr lang="ru-RU"/>
               <a:t>Третий уровень</a:t>
             </a:r>
           </a:p>
           <a:p>
             <a:pPr lvl="3"/>
             <a:r>
-              <a:rPr lang="ru-RU" smtClean="0"/>
+              <a:rPr lang="ru-RU"/>
               <a:t>Четвертый уровень</a:t>
             </a:r>
           </a:p>
           <a:p>
             <a:pPr lvl="4"/>
             <a:r>
-              <a:rPr lang="ru-RU" smtClean="0"/>
+              <a:rPr lang="ru-RU"/>
               <a:t>Пятый уровень</a:t>
             </a:r>
-            <a:endParaRPr lang="ru-RU"/>
           </a:p>
         </p:txBody>
       </p:sp>
@@ -4629,10 +4626,9 @@
           <a:p>
             <a:pPr rtl="0"/>
             <a:r>
-              <a:rPr lang="ru-RU" noProof="0" smtClean="0"/>
+              <a:rPr lang="ru-RU" noProof="0"/>
               <a:t>02.02.20ГГ</a:t>
             </a:r>
-            <a:endParaRPr lang="ru-RU" noProof="0"/>
           </a:p>
         </p:txBody>
       </p:sp>
@@ -4653,10 +4649,9 @@
           <a:p>
             <a:pPr rtl="0"/>
             <a:r>
-              <a:rPr lang="ru-RU" spc="200" noProof="0" smtClean="0"/>
+              <a:rPr lang="ru-RU" spc="200" noProof="0"/>
               <a:t>ЗАГОЛОВОК ПРЕЗЕНТАЦИИ</a:t>
             </a:r>
-            <a:endParaRPr lang="ru-RU" spc="200" noProof="0"/>
           </a:p>
         </p:txBody>
       </p:sp>
@@ -4721,10 +4716,10 @@
           <p:cNvPr id="2" name="Прямая соединительная линия 1">
             <a:extLst>
               <a:ext uri="{FF2B5EF4-FFF2-40B4-BE49-F238E27FC236}">
-                <a16:creationId xmlns:a16="http://schemas.microsoft.com/office/drawing/2014/main" xmlns="" id="{B32E1050-6C12-4B39-8715-4D547243926E}"/>
+                <a16:creationId xmlns:a16="http://schemas.microsoft.com/office/drawing/2014/main" id="{B32E1050-6C12-4B39-8715-4D547243926E}"/>
               </a:ext>
               <a:ext uri="{C183D7F6-B498-43B3-948B-1728B52AA6E4}">
-                <adec:decorative xmlns:adec="http://schemas.microsoft.com/office/drawing/2017/decorative" xmlns="" val="1"/>
+                <adec:decorative xmlns:adec="http://schemas.microsoft.com/office/drawing/2017/decorative" val="1"/>
               </a:ext>
             </a:extLst>
           </p:cNvPr>
@@ -4767,7 +4762,7 @@
           <p:cNvPr id="12" name="Заголовок 1">
             <a:extLst>
               <a:ext uri="{FF2B5EF4-FFF2-40B4-BE49-F238E27FC236}">
-                <a16:creationId xmlns:a16="http://schemas.microsoft.com/office/drawing/2014/main" xmlns="" id="{4E513D97-B9A8-4710-A599-E88B1669A73C}"/>
+                <a16:creationId xmlns:a16="http://schemas.microsoft.com/office/drawing/2014/main" id="{4E513D97-B9A8-4710-A599-E88B1669A73C}"/>
               </a:ext>
             </a:extLst>
           </p:cNvPr>
@@ -4815,7 +4810,7 @@
           <p:cNvPr id="10" name="Объект 2">
             <a:extLst>
               <a:ext uri="{FF2B5EF4-FFF2-40B4-BE49-F238E27FC236}">
-                <a16:creationId xmlns:a16="http://schemas.microsoft.com/office/drawing/2014/main" xmlns="" id="{8E769319-28CA-4E68-8E19-68C73CD16478}"/>
+                <a16:creationId xmlns:a16="http://schemas.microsoft.com/office/drawing/2014/main" id="{8E769319-28CA-4E68-8E19-68C73CD16478}"/>
               </a:ext>
             </a:extLst>
           </p:cNvPr>
@@ -4902,7 +4897,7 @@
           <p:cNvPr id="3" name="Дата 6">
             <a:extLst>
               <a:ext uri="{FF2B5EF4-FFF2-40B4-BE49-F238E27FC236}">
-                <a16:creationId xmlns:a16="http://schemas.microsoft.com/office/drawing/2014/main" xmlns="" id="{7EBC5E34-0C82-438C-B5D6-3C1B0209B2C0}"/>
+                <a16:creationId xmlns:a16="http://schemas.microsoft.com/office/drawing/2014/main" id="{7EBC5E34-0C82-438C-B5D6-3C1B0209B2C0}"/>
               </a:ext>
             </a:extLst>
           </p:cNvPr>
@@ -4940,7 +4935,7 @@
           <p:cNvPr id="4" name="Нижний колонтитул 7">
             <a:extLst>
               <a:ext uri="{FF2B5EF4-FFF2-40B4-BE49-F238E27FC236}">
-                <a16:creationId xmlns:a16="http://schemas.microsoft.com/office/drawing/2014/main" xmlns="" id="{0BDEB4F1-6670-45BB-B9CB-C99C1EDB76C9}"/>
+                <a16:creationId xmlns:a16="http://schemas.microsoft.com/office/drawing/2014/main" id="{0BDEB4F1-6670-45BB-B9CB-C99C1EDB76C9}"/>
               </a:ext>
             </a:extLst>
           </p:cNvPr>
@@ -4978,7 +4973,7 @@
           <p:cNvPr id="8" name="Номер слайда 11">
             <a:extLst>
               <a:ext uri="{FF2B5EF4-FFF2-40B4-BE49-F238E27FC236}">
-                <a16:creationId xmlns:a16="http://schemas.microsoft.com/office/drawing/2014/main" xmlns="" id="{1930349C-8BE0-47EA-B0BA-1F8A839CCB44}"/>
+                <a16:creationId xmlns:a16="http://schemas.microsoft.com/office/drawing/2014/main" id="{1930349C-8BE0-47EA-B0BA-1F8A839CCB44}"/>
               </a:ext>
             </a:extLst>
           </p:cNvPr>
@@ -5048,7 +5043,7 @@
           <p:cNvPr id="5" name="Рисунок 7">
             <a:extLst>
               <a:ext uri="{FF2B5EF4-FFF2-40B4-BE49-F238E27FC236}">
-                <a16:creationId xmlns:a16="http://schemas.microsoft.com/office/drawing/2014/main" xmlns="" id="{5BE7201D-E29D-4C0F-8BDA-C31C7AD21FF9}"/>
+                <a16:creationId xmlns:a16="http://schemas.microsoft.com/office/drawing/2014/main" id="{5BE7201D-E29D-4C0F-8BDA-C31C7AD21FF9}"/>
               </a:ext>
             </a:extLst>
           </p:cNvPr>
@@ -5093,7 +5088,7 @@
           <p:cNvPr id="6" name="Заголовок 5">
             <a:extLst>
               <a:ext uri="{FF2B5EF4-FFF2-40B4-BE49-F238E27FC236}">
-                <a16:creationId xmlns:a16="http://schemas.microsoft.com/office/drawing/2014/main" xmlns="" id="{5D76D068-9B81-43EB-8EF6-14A14B932F04}"/>
+                <a16:creationId xmlns:a16="http://schemas.microsoft.com/office/drawing/2014/main" id="{5D76D068-9B81-43EB-8EF6-14A14B932F04}"/>
               </a:ext>
             </a:extLst>
           </p:cNvPr>
@@ -5144,7 +5139,7 @@
           <p:cNvPr id="13" name="Текст 9">
             <a:extLst>
               <a:ext uri="{FF2B5EF4-FFF2-40B4-BE49-F238E27FC236}">
-                <a16:creationId xmlns:a16="http://schemas.microsoft.com/office/drawing/2014/main" xmlns="" id="{86ACD1FC-2042-4BBF-A15C-4CF09BE6FA72}"/>
+                <a16:creationId xmlns:a16="http://schemas.microsoft.com/office/drawing/2014/main" id="{86ACD1FC-2042-4BBF-A15C-4CF09BE6FA72}"/>
               </a:ext>
             </a:extLst>
           </p:cNvPr>
@@ -5192,7 +5187,7 @@
           <p:cNvPr id="2" name="Дата 3">
             <a:extLst>
               <a:ext uri="{FF2B5EF4-FFF2-40B4-BE49-F238E27FC236}">
-                <a16:creationId xmlns:a16="http://schemas.microsoft.com/office/drawing/2014/main" xmlns="" id="{395F5207-FD4F-4EA3-B90A-38946525CC4C}"/>
+                <a16:creationId xmlns:a16="http://schemas.microsoft.com/office/drawing/2014/main" id="{395F5207-FD4F-4EA3-B90A-38946525CC4C}"/>
               </a:ext>
             </a:extLst>
           </p:cNvPr>
@@ -5230,7 +5225,7 @@
           <p:cNvPr id="3" name="Нижний колонтитул 4">
             <a:extLst>
               <a:ext uri="{FF2B5EF4-FFF2-40B4-BE49-F238E27FC236}">
-                <a16:creationId xmlns:a16="http://schemas.microsoft.com/office/drawing/2014/main" xmlns="" id="{1B85A082-D2CF-4D9E-8B9A-4A4EC2FBF61D}"/>
+                <a16:creationId xmlns:a16="http://schemas.microsoft.com/office/drawing/2014/main" id="{1B85A082-D2CF-4D9E-8B9A-4A4EC2FBF61D}"/>
               </a:ext>
             </a:extLst>
           </p:cNvPr>
@@ -5268,7 +5263,7 @@
           <p:cNvPr id="9" name="Номер слайда 11">
             <a:extLst>
               <a:ext uri="{FF2B5EF4-FFF2-40B4-BE49-F238E27FC236}">
-                <a16:creationId xmlns:a16="http://schemas.microsoft.com/office/drawing/2014/main" xmlns="" id="{516C575C-EAC2-426D-8F27-9F19CCC0B951}"/>
+                <a16:creationId xmlns:a16="http://schemas.microsoft.com/office/drawing/2014/main" id="{516C575C-EAC2-426D-8F27-9F19CCC0B951}"/>
               </a:ext>
             </a:extLst>
           </p:cNvPr>
@@ -5338,7 +5333,7 @@
           <p:cNvPr id="3" name="Заголовок 1">
             <a:extLst>
               <a:ext uri="{FF2B5EF4-FFF2-40B4-BE49-F238E27FC236}">
-                <a16:creationId xmlns:a16="http://schemas.microsoft.com/office/drawing/2014/main" xmlns="" id="{99800939-EE62-4A6F-8369-E0A2225C9ABA}"/>
+                <a16:creationId xmlns:a16="http://schemas.microsoft.com/office/drawing/2014/main" id="{99800939-EE62-4A6F-8369-E0A2225C9ABA}"/>
               </a:ext>
             </a:extLst>
           </p:cNvPr>
@@ -5380,10 +5375,10 @@
           <p:cNvPr id="4" name="Прямая соединительная линия 3">
             <a:extLst>
               <a:ext uri="{FF2B5EF4-FFF2-40B4-BE49-F238E27FC236}">
-                <a16:creationId xmlns:a16="http://schemas.microsoft.com/office/drawing/2014/main" xmlns="" id="{88AD8766-64D5-4907-9387-55556E06B6B7}"/>
+                <a16:creationId xmlns:a16="http://schemas.microsoft.com/office/drawing/2014/main" id="{88AD8766-64D5-4907-9387-55556E06B6B7}"/>
               </a:ext>
               <a:ext uri="{C183D7F6-B498-43B3-948B-1728B52AA6E4}">
-                <adec:decorative xmlns:adec="http://schemas.microsoft.com/office/drawing/2017/decorative" xmlns="" val="1"/>
+                <adec:decorative xmlns:adec="http://schemas.microsoft.com/office/drawing/2017/decorative" val="1"/>
               </a:ext>
             </a:extLst>
           </p:cNvPr>
@@ -5424,7 +5419,7 @@
           <p:cNvPr id="10" name="Объект 2">
             <a:extLst>
               <a:ext uri="{FF2B5EF4-FFF2-40B4-BE49-F238E27FC236}">
-                <a16:creationId xmlns:a16="http://schemas.microsoft.com/office/drawing/2014/main" xmlns="" id="{356A4E20-3710-4756-B5AA-0D9A3C386789}"/>
+                <a16:creationId xmlns:a16="http://schemas.microsoft.com/office/drawing/2014/main" id="{356A4E20-3710-4756-B5AA-0D9A3C386789}"/>
               </a:ext>
             </a:extLst>
           </p:cNvPr>
@@ -5511,7 +5506,7 @@
           <p:cNvPr id="11" name="Дата 9">
             <a:extLst>
               <a:ext uri="{FF2B5EF4-FFF2-40B4-BE49-F238E27FC236}">
-                <a16:creationId xmlns:a16="http://schemas.microsoft.com/office/drawing/2014/main" xmlns="" id="{90ACCA35-D6BC-4204-B1A6-C9F022F5F3A2}"/>
+                <a16:creationId xmlns:a16="http://schemas.microsoft.com/office/drawing/2014/main" id="{90ACCA35-D6BC-4204-B1A6-C9F022F5F3A2}"/>
               </a:ext>
             </a:extLst>
           </p:cNvPr>
@@ -5549,7 +5544,7 @@
           <p:cNvPr id="12" name="Нижний колонтитул 10">
             <a:extLst>
               <a:ext uri="{FF2B5EF4-FFF2-40B4-BE49-F238E27FC236}">
-                <a16:creationId xmlns:a16="http://schemas.microsoft.com/office/drawing/2014/main" xmlns="" id="{6B393FEE-25D9-48C7-B753-BE4F3F53B75B}"/>
+                <a16:creationId xmlns:a16="http://schemas.microsoft.com/office/drawing/2014/main" id="{6B393FEE-25D9-48C7-B753-BE4F3F53B75B}"/>
               </a:ext>
             </a:extLst>
           </p:cNvPr>
@@ -5583,7 +5578,7 @@
           <p:cNvPr id="13" name="Номер слайда 11">
             <a:extLst>
               <a:ext uri="{FF2B5EF4-FFF2-40B4-BE49-F238E27FC236}">
-                <a16:creationId xmlns:a16="http://schemas.microsoft.com/office/drawing/2014/main" xmlns="" id="{6BB8704D-5CE8-4D94-A969-93FD48205583}"/>
+                <a16:creationId xmlns:a16="http://schemas.microsoft.com/office/drawing/2014/main" id="{6BB8704D-5CE8-4D94-A969-93FD48205583}"/>
               </a:ext>
             </a:extLst>
           </p:cNvPr>
@@ -5653,7 +5648,7 @@
           <p:cNvPr id="2" name="Заголовок 1">
             <a:extLst>
               <a:ext uri="{FF2B5EF4-FFF2-40B4-BE49-F238E27FC236}">
-                <a16:creationId xmlns:a16="http://schemas.microsoft.com/office/drawing/2014/main" xmlns="" id="{6690EC6A-9526-4F5D-831C-D05B6D208E91}"/>
+                <a16:creationId xmlns:a16="http://schemas.microsoft.com/office/drawing/2014/main" id="{6690EC6A-9526-4F5D-831C-D05B6D208E91}"/>
               </a:ext>
             </a:extLst>
           </p:cNvPr>
@@ -5695,10 +5690,10 @@
           <p:cNvPr id="3" name="Прямая соединительная линия 2">
             <a:extLst>
               <a:ext uri="{FF2B5EF4-FFF2-40B4-BE49-F238E27FC236}">
-                <a16:creationId xmlns:a16="http://schemas.microsoft.com/office/drawing/2014/main" xmlns="" id="{2DBA2A15-3A0D-4FF2-946D-1A226AB2012C}"/>
+                <a16:creationId xmlns:a16="http://schemas.microsoft.com/office/drawing/2014/main" id="{2DBA2A15-3A0D-4FF2-946D-1A226AB2012C}"/>
               </a:ext>
               <a:ext uri="{C183D7F6-B498-43B3-948B-1728B52AA6E4}">
-                <adec:decorative xmlns:adec="http://schemas.microsoft.com/office/drawing/2017/decorative" xmlns="" val="1"/>
+                <adec:decorative xmlns:adec="http://schemas.microsoft.com/office/drawing/2017/decorative" val="1"/>
               </a:ext>
             </a:extLst>
           </p:cNvPr>
@@ -5739,7 +5734,7 @@
           <p:cNvPr id="8" name="Объект 2">
             <a:extLst>
               <a:ext uri="{FF2B5EF4-FFF2-40B4-BE49-F238E27FC236}">
-                <a16:creationId xmlns:a16="http://schemas.microsoft.com/office/drawing/2014/main" xmlns="" id="{3AD23B8B-A425-4CDA-8B08-F225F1A56BBC}"/>
+                <a16:creationId xmlns:a16="http://schemas.microsoft.com/office/drawing/2014/main" id="{3AD23B8B-A425-4CDA-8B08-F225F1A56BBC}"/>
               </a:ext>
             </a:extLst>
           </p:cNvPr>
@@ -5826,7 +5821,7 @@
           <p:cNvPr id="12" name="Дата 9">
             <a:extLst>
               <a:ext uri="{FF2B5EF4-FFF2-40B4-BE49-F238E27FC236}">
-                <a16:creationId xmlns:a16="http://schemas.microsoft.com/office/drawing/2014/main" xmlns="" id="{148B844A-8E38-4D22-9A7F-A95D22C1EDBC}"/>
+                <a16:creationId xmlns:a16="http://schemas.microsoft.com/office/drawing/2014/main" id="{148B844A-8E38-4D22-9A7F-A95D22C1EDBC}"/>
               </a:ext>
             </a:extLst>
           </p:cNvPr>
@@ -5864,7 +5859,7 @@
           <p:cNvPr id="13" name="Нижний колонтитул 10">
             <a:extLst>
               <a:ext uri="{FF2B5EF4-FFF2-40B4-BE49-F238E27FC236}">
-                <a16:creationId xmlns:a16="http://schemas.microsoft.com/office/drawing/2014/main" xmlns="" id="{9EE6E96B-321F-4070-8AB9-69F8498B1731}"/>
+                <a16:creationId xmlns:a16="http://schemas.microsoft.com/office/drawing/2014/main" id="{9EE6E96B-321F-4070-8AB9-69F8498B1731}"/>
               </a:ext>
             </a:extLst>
           </p:cNvPr>
@@ -5898,7 +5893,7 @@
           <p:cNvPr id="15" name="Номер слайда 11">
             <a:extLst>
               <a:ext uri="{FF2B5EF4-FFF2-40B4-BE49-F238E27FC236}">
-                <a16:creationId xmlns:a16="http://schemas.microsoft.com/office/drawing/2014/main" xmlns="" id="{B6CC3AFC-1429-49C6-B3ED-9B5C629A5260}"/>
+                <a16:creationId xmlns:a16="http://schemas.microsoft.com/office/drawing/2014/main" id="{B6CC3AFC-1429-49C6-B3ED-9B5C629A5260}"/>
               </a:ext>
             </a:extLst>
           </p:cNvPr>
@@ -5968,10 +5963,10 @@
           <p:cNvPr id="4" name="Прямая соединительная линия 3">
             <a:extLst>
               <a:ext uri="{FF2B5EF4-FFF2-40B4-BE49-F238E27FC236}">
-                <a16:creationId xmlns:a16="http://schemas.microsoft.com/office/drawing/2014/main" xmlns="" id="{1B910F38-F46F-4019-9892-577986F9591C}"/>
+                <a16:creationId xmlns:a16="http://schemas.microsoft.com/office/drawing/2014/main" id="{1B910F38-F46F-4019-9892-577986F9591C}"/>
               </a:ext>
               <a:ext uri="{C183D7F6-B498-43B3-948B-1728B52AA6E4}">
-                <adec:decorative xmlns:adec="http://schemas.microsoft.com/office/drawing/2017/decorative" xmlns="" val="1"/>
+                <adec:decorative xmlns:adec="http://schemas.microsoft.com/office/drawing/2017/decorative" val="1"/>
               </a:ext>
             </a:extLst>
           </p:cNvPr>
@@ -6014,7 +6009,7 @@
           <p:cNvPr id="12" name="Заголовок 1">
             <a:extLst>
               <a:ext uri="{FF2B5EF4-FFF2-40B4-BE49-F238E27FC236}">
-                <a16:creationId xmlns:a16="http://schemas.microsoft.com/office/drawing/2014/main" xmlns="" id="{3A88BA19-45C7-493D-8685-D06EBEFD2DBC}"/>
+                <a16:creationId xmlns:a16="http://schemas.microsoft.com/office/drawing/2014/main" id="{3A88BA19-45C7-493D-8685-D06EBEFD2DBC}"/>
               </a:ext>
             </a:extLst>
           </p:cNvPr>
@@ -6062,7 +6057,7 @@
           <p:cNvPr id="11" name="Текст 10">
             <a:extLst>
               <a:ext uri="{FF2B5EF4-FFF2-40B4-BE49-F238E27FC236}">
-                <a16:creationId xmlns:a16="http://schemas.microsoft.com/office/drawing/2014/main" xmlns="" id="{D0F824DF-992F-4E18-9BC2-56F1D60AF53B}"/>
+                <a16:creationId xmlns:a16="http://schemas.microsoft.com/office/drawing/2014/main" id="{D0F824DF-992F-4E18-9BC2-56F1D60AF53B}"/>
               </a:ext>
             </a:extLst>
           </p:cNvPr>
@@ -6108,7 +6103,7 @@
           <p:cNvPr id="13" name="Текст 12">
             <a:extLst>
               <a:ext uri="{FF2B5EF4-FFF2-40B4-BE49-F238E27FC236}">
-                <a16:creationId xmlns:a16="http://schemas.microsoft.com/office/drawing/2014/main" xmlns="" id="{CA14A543-CB0B-4FE3-82CE-0C8B0F6F6DD6}"/>
+                <a16:creationId xmlns:a16="http://schemas.microsoft.com/office/drawing/2014/main" id="{CA14A543-CB0B-4FE3-82CE-0C8B0F6F6DD6}"/>
               </a:ext>
             </a:extLst>
           </p:cNvPr>
@@ -6158,7 +6153,7 @@
           <p:cNvPr id="18" name="Текст 10">
             <a:extLst>
               <a:ext uri="{FF2B5EF4-FFF2-40B4-BE49-F238E27FC236}">
-                <a16:creationId xmlns:a16="http://schemas.microsoft.com/office/drawing/2014/main" xmlns="" id="{B6B6DB95-B3AD-4954-8725-DCAA8F716A99}"/>
+                <a16:creationId xmlns:a16="http://schemas.microsoft.com/office/drawing/2014/main" id="{B6B6DB95-B3AD-4954-8725-DCAA8F716A99}"/>
               </a:ext>
             </a:extLst>
           </p:cNvPr>
@@ -6204,7 +6199,7 @@
           <p:cNvPr id="19" name="Текст 12">
             <a:extLst>
               <a:ext uri="{FF2B5EF4-FFF2-40B4-BE49-F238E27FC236}">
-                <a16:creationId xmlns:a16="http://schemas.microsoft.com/office/drawing/2014/main" xmlns="" id="{EBF18AD6-49AE-45E3-AFDB-53684AB6EC28}"/>
+                <a16:creationId xmlns:a16="http://schemas.microsoft.com/office/drawing/2014/main" id="{EBF18AD6-49AE-45E3-AFDB-53684AB6EC28}"/>
               </a:ext>
             </a:extLst>
           </p:cNvPr>
@@ -6254,7 +6249,7 @@
           <p:cNvPr id="7" name="Дата 5">
             <a:extLst>
               <a:ext uri="{FF2B5EF4-FFF2-40B4-BE49-F238E27FC236}">
-                <a16:creationId xmlns:a16="http://schemas.microsoft.com/office/drawing/2014/main" xmlns="" id="{AD8C32FD-06A2-49E2-A54A-FB7C7AFFE2F2}"/>
+                <a16:creationId xmlns:a16="http://schemas.microsoft.com/office/drawing/2014/main" id="{AD8C32FD-06A2-49E2-A54A-FB7C7AFFE2F2}"/>
               </a:ext>
             </a:extLst>
           </p:cNvPr>
@@ -6292,7 +6287,7 @@
           <p:cNvPr id="8" name="Нижний колонтитул 3">
             <a:extLst>
               <a:ext uri="{FF2B5EF4-FFF2-40B4-BE49-F238E27FC236}">
-                <a16:creationId xmlns:a16="http://schemas.microsoft.com/office/drawing/2014/main" xmlns="" id="{7D13BE1A-DE3C-489C-A627-116679A00B86}"/>
+                <a16:creationId xmlns:a16="http://schemas.microsoft.com/office/drawing/2014/main" id="{7D13BE1A-DE3C-489C-A627-116679A00B86}"/>
               </a:ext>
             </a:extLst>
           </p:cNvPr>
@@ -6326,7 +6321,7 @@
           <p:cNvPr id="14" name="Номер слайда 11">
             <a:extLst>
               <a:ext uri="{FF2B5EF4-FFF2-40B4-BE49-F238E27FC236}">
-                <a16:creationId xmlns:a16="http://schemas.microsoft.com/office/drawing/2014/main" xmlns="" id="{CE15B7AC-26DD-48DA-88A0-A231BF5D1E44}"/>
+                <a16:creationId xmlns:a16="http://schemas.microsoft.com/office/drawing/2014/main" id="{CE15B7AC-26DD-48DA-88A0-A231BF5D1E44}"/>
               </a:ext>
             </a:extLst>
           </p:cNvPr>
@@ -6416,10 +6411,9 @@
           </a:lstStyle>
           <a:p>
             <a:r>
-              <a:rPr lang="ru-RU" smtClean="0"/>
+              <a:rPr lang="ru-RU"/>
               <a:t>Образец заголовка</a:t>
             </a:r>
-            <a:endParaRPr lang="ru-RU"/>
           </a:p>
         </p:txBody>
       </p:sp>
@@ -6536,7 +6530,7 @@
           <a:p>
             <a:pPr lvl="0"/>
             <a:r>
-              <a:rPr lang="ru-RU" smtClean="0"/>
+              <a:rPr lang="ru-RU"/>
               <a:t>Образец текста</a:t>
             </a:r>
           </a:p>
@@ -6559,10 +6553,9 @@
           <a:p>
             <a:pPr rtl="0"/>
             <a:r>
-              <a:rPr lang="ru-RU" noProof="0" smtClean="0"/>
+              <a:rPr lang="ru-RU" noProof="0"/>
               <a:t>02.02.20ГГ</a:t>
             </a:r>
-            <a:endParaRPr lang="ru-RU" noProof="0"/>
           </a:p>
         </p:txBody>
       </p:sp>
@@ -6583,10 +6576,9 @@
           <a:p>
             <a:pPr rtl="0"/>
             <a:r>
-              <a:rPr lang="ru-RU" spc="200" noProof="0" smtClean="0"/>
+              <a:rPr lang="ru-RU" spc="200" noProof="0"/>
               <a:t>ЗАГОЛОВОК ПРЕЗЕНТАЦИИ</a:t>
             </a:r>
-            <a:endParaRPr lang="ru-RU" spc="200" noProof="0"/>
           </a:p>
         </p:txBody>
       </p:sp>
@@ -6662,10 +6654,9 @@
           <a:lstStyle/>
           <a:p>
             <a:r>
-              <a:rPr lang="ru-RU" smtClean="0"/>
+              <a:rPr lang="ru-RU"/>
               <a:t>Образец заголовка</a:t>
             </a:r>
-            <a:endParaRPr lang="ru-RU"/>
           </a:p>
         </p:txBody>
       </p:sp>
@@ -6719,38 +6710,37 @@
           <a:p>
             <a:pPr lvl="0"/>
             <a:r>
-              <a:rPr lang="ru-RU" smtClean="0"/>
+              <a:rPr lang="ru-RU"/>
               <a:t>Образец текста</a:t>
             </a:r>
           </a:p>
           <a:p>
             <a:pPr lvl="1"/>
             <a:r>
-              <a:rPr lang="ru-RU" smtClean="0"/>
+              <a:rPr lang="ru-RU"/>
               <a:t>Второй уровень</a:t>
             </a:r>
           </a:p>
           <a:p>
             <a:pPr lvl="2"/>
             <a:r>
-              <a:rPr lang="ru-RU" smtClean="0"/>
+              <a:rPr lang="ru-RU"/>
               <a:t>Третий уровень</a:t>
             </a:r>
           </a:p>
           <a:p>
             <a:pPr lvl="3"/>
             <a:r>
-              <a:rPr lang="ru-RU" smtClean="0"/>
+              <a:rPr lang="ru-RU"/>
               <a:t>Четвертый уровень</a:t>
             </a:r>
           </a:p>
           <a:p>
             <a:pPr lvl="4"/>
             <a:r>
-              <a:rPr lang="ru-RU" smtClean="0"/>
+              <a:rPr lang="ru-RU"/>
               <a:t>Пятый уровень</a:t>
             </a:r>
-            <a:endParaRPr lang="ru-RU"/>
           </a:p>
         </p:txBody>
       </p:sp>
@@ -6804,38 +6794,37 @@
           <a:p>
             <a:pPr lvl="0"/>
             <a:r>
-              <a:rPr lang="ru-RU" smtClean="0"/>
+              <a:rPr lang="ru-RU"/>
               <a:t>Образец текста</a:t>
             </a:r>
           </a:p>
           <a:p>
             <a:pPr lvl="1"/>
             <a:r>
-              <a:rPr lang="ru-RU" smtClean="0"/>
+              <a:rPr lang="ru-RU"/>
               <a:t>Второй уровень</a:t>
             </a:r>
           </a:p>
           <a:p>
             <a:pPr lvl="2"/>
             <a:r>
-              <a:rPr lang="ru-RU" smtClean="0"/>
+              <a:rPr lang="ru-RU"/>
               <a:t>Третий уровень</a:t>
             </a:r>
           </a:p>
           <a:p>
             <a:pPr lvl="3"/>
             <a:r>
-              <a:rPr lang="ru-RU" smtClean="0"/>
+              <a:rPr lang="ru-RU"/>
               <a:t>Четвертый уровень</a:t>
             </a:r>
           </a:p>
           <a:p>
             <a:pPr lvl="4"/>
             <a:r>
-              <a:rPr lang="ru-RU" smtClean="0"/>
+              <a:rPr lang="ru-RU"/>
               <a:t>Пятый уровень</a:t>
             </a:r>
-            <a:endParaRPr lang="ru-RU"/>
           </a:p>
         </p:txBody>
       </p:sp>
@@ -6856,10 +6845,9 @@
           <a:p>
             <a:pPr rtl="0"/>
             <a:r>
-              <a:rPr lang="ru-RU" noProof="0" smtClean="0"/>
+              <a:rPr lang="ru-RU" noProof="0"/>
               <a:t>02.02.20ГГ</a:t>
             </a:r>
-            <a:endParaRPr lang="ru-RU" noProof="0"/>
           </a:p>
         </p:txBody>
       </p:sp>
@@ -6880,10 +6868,9 @@
           <a:p>
             <a:pPr rtl="0"/>
             <a:r>
-              <a:rPr lang="ru-RU" spc="200" noProof="0" smtClean="0"/>
+              <a:rPr lang="ru-RU" spc="200" noProof="0"/>
               <a:t>ЗАГОЛОВОК ПРЕЗЕНТАЦИИ</a:t>
             </a:r>
-            <a:endParaRPr lang="ru-RU" spc="200" noProof="0"/>
           </a:p>
         </p:txBody>
       </p:sp>
@@ -6968,10 +6955,9 @@
           </a:lstStyle>
           <a:p>
             <a:r>
-              <a:rPr lang="ru-RU" smtClean="0"/>
+              <a:rPr lang="ru-RU"/>
               <a:t>Образец заголовка</a:t>
             </a:r>
-            <a:endParaRPr lang="ru-RU"/>
           </a:p>
         </p:txBody>
       </p:sp>
@@ -7034,7 +7020,7 @@
           <a:p>
             <a:pPr lvl="0"/>
             <a:r>
-              <a:rPr lang="ru-RU" smtClean="0"/>
+              <a:rPr lang="ru-RU"/>
               <a:t>Образец текста</a:t>
             </a:r>
           </a:p>
@@ -7090,38 +7076,37 @@
           <a:p>
             <a:pPr lvl="0"/>
             <a:r>
-              <a:rPr lang="ru-RU" smtClean="0"/>
+              <a:rPr lang="ru-RU"/>
               <a:t>Образец текста</a:t>
             </a:r>
           </a:p>
           <a:p>
             <a:pPr lvl="1"/>
             <a:r>
-              <a:rPr lang="ru-RU" smtClean="0"/>
+              <a:rPr lang="ru-RU"/>
               <a:t>Второй уровень</a:t>
             </a:r>
           </a:p>
           <a:p>
             <a:pPr lvl="2"/>
             <a:r>
-              <a:rPr lang="ru-RU" smtClean="0"/>
+              <a:rPr lang="ru-RU"/>
               <a:t>Третий уровень</a:t>
             </a:r>
           </a:p>
           <a:p>
             <a:pPr lvl="3"/>
             <a:r>
-              <a:rPr lang="ru-RU" smtClean="0"/>
+              <a:rPr lang="ru-RU"/>
               <a:t>Четвертый уровень</a:t>
             </a:r>
           </a:p>
           <a:p>
             <a:pPr lvl="4"/>
             <a:r>
-              <a:rPr lang="ru-RU" smtClean="0"/>
+              <a:rPr lang="ru-RU"/>
               <a:t>Пятый уровень</a:t>
             </a:r>
-            <a:endParaRPr lang="ru-RU"/>
           </a:p>
         </p:txBody>
       </p:sp>
@@ -7184,7 +7169,7 @@
           <a:p>
             <a:pPr lvl="0"/>
             <a:r>
-              <a:rPr lang="ru-RU" smtClean="0"/>
+              <a:rPr lang="ru-RU"/>
               <a:t>Образец текста</a:t>
             </a:r>
           </a:p>
@@ -7240,38 +7225,37 @@
           <a:p>
             <a:pPr lvl="0"/>
             <a:r>
-              <a:rPr lang="ru-RU" smtClean="0"/>
+              <a:rPr lang="ru-RU"/>
               <a:t>Образец текста</a:t>
             </a:r>
           </a:p>
           <a:p>
             <a:pPr lvl="1"/>
             <a:r>
-              <a:rPr lang="ru-RU" smtClean="0"/>
+              <a:rPr lang="ru-RU"/>
               <a:t>Второй уровень</a:t>
             </a:r>
           </a:p>
           <a:p>
             <a:pPr lvl="2"/>
             <a:r>
-              <a:rPr lang="ru-RU" smtClean="0"/>
+              <a:rPr lang="ru-RU"/>
               <a:t>Третий уровень</a:t>
             </a:r>
           </a:p>
           <a:p>
             <a:pPr lvl="3"/>
             <a:r>
-              <a:rPr lang="ru-RU" smtClean="0"/>
+              <a:rPr lang="ru-RU"/>
               <a:t>Четвертый уровень</a:t>
             </a:r>
           </a:p>
           <a:p>
             <a:pPr lvl="4"/>
             <a:r>
-              <a:rPr lang="ru-RU" smtClean="0"/>
+              <a:rPr lang="ru-RU"/>
               <a:t>Пятый уровень</a:t>
             </a:r>
-            <a:endParaRPr lang="ru-RU"/>
           </a:p>
         </p:txBody>
       </p:sp>
@@ -7292,10 +7276,9 @@
           <a:p>
             <a:pPr rtl="0"/>
             <a:r>
-              <a:rPr lang="ru-RU" noProof="0" smtClean="0"/>
+              <a:rPr lang="ru-RU" noProof="0"/>
               <a:t>02.02.20ГГ</a:t>
             </a:r>
-            <a:endParaRPr lang="ru-RU" noProof="0"/>
           </a:p>
         </p:txBody>
       </p:sp>
@@ -7316,10 +7299,9 @@
           <a:p>
             <a:pPr rtl="0"/>
             <a:r>
-              <a:rPr lang="ru-RU" spc="200" noProof="0" smtClean="0"/>
+              <a:rPr lang="ru-RU" spc="200" noProof="0"/>
               <a:t>ЗАГОЛОВОК ПРЕЗЕНТАЦИИ</a:t>
             </a:r>
-            <a:endParaRPr lang="ru-RU" spc="200" noProof="0"/>
           </a:p>
         </p:txBody>
       </p:sp>
@@ -7395,10 +7377,9 @@
           <a:lstStyle/>
           <a:p>
             <a:r>
-              <a:rPr lang="ru-RU" smtClean="0"/>
+              <a:rPr lang="ru-RU"/>
               <a:t>Образец заголовка</a:t>
             </a:r>
-            <a:endParaRPr lang="ru-RU"/>
           </a:p>
         </p:txBody>
       </p:sp>
@@ -7419,10 +7400,9 @@
           <a:p>
             <a:pPr rtl="0"/>
             <a:r>
-              <a:rPr lang="ru-RU" noProof="0" smtClean="0"/>
+              <a:rPr lang="ru-RU" noProof="0"/>
               <a:t>02.02.20ГГ</a:t>
             </a:r>
-            <a:endParaRPr lang="ru-RU" noProof="0"/>
           </a:p>
         </p:txBody>
       </p:sp>
@@ -7443,10 +7423,9 @@
           <a:p>
             <a:pPr rtl="0"/>
             <a:r>
-              <a:rPr lang="ru-RU" spc="200" noProof="0" smtClean="0"/>
+              <a:rPr lang="ru-RU" spc="200" noProof="0"/>
               <a:t>ЗАГОЛОВОК ПРЕЗЕНТАЦИИ</a:t>
             </a:r>
-            <a:endParaRPr lang="ru-RU" spc="200" noProof="0"/>
           </a:p>
         </p:txBody>
       </p:sp>
@@ -7523,10 +7502,9 @@
           <a:p>
             <a:pPr rtl="0"/>
             <a:r>
-              <a:rPr lang="ru-RU" noProof="0" smtClean="0"/>
+              <a:rPr lang="ru-RU" noProof="0"/>
               <a:t>02.02.20ГГ</a:t>
             </a:r>
-            <a:endParaRPr lang="ru-RU" noProof="0"/>
           </a:p>
         </p:txBody>
       </p:sp>
@@ -7547,10 +7525,9 @@
           <a:p>
             <a:pPr rtl="0"/>
             <a:r>
-              <a:rPr lang="ru-RU" spc="200" noProof="0" smtClean="0"/>
+              <a:rPr lang="ru-RU" spc="200" noProof="0"/>
               <a:t>ЗАГОЛОВОК ПРЕЗЕНТАЦИИ</a:t>
             </a:r>
-            <a:endParaRPr lang="ru-RU" spc="200" noProof="0"/>
           </a:p>
         </p:txBody>
       </p:sp>
@@ -7635,10 +7612,9 @@
           </a:lstStyle>
           <a:p>
             <a:r>
-              <a:rPr lang="ru-RU" smtClean="0"/>
+              <a:rPr lang="ru-RU"/>
               <a:t>Образец заголовка</a:t>
             </a:r>
-            <a:endParaRPr lang="ru-RU"/>
           </a:p>
         </p:txBody>
       </p:sp>
@@ -7692,38 +7668,37 @@
           <a:p>
             <a:pPr lvl="0"/>
             <a:r>
-              <a:rPr lang="ru-RU" smtClean="0"/>
+              <a:rPr lang="ru-RU"/>
               <a:t>Образец текста</a:t>
             </a:r>
           </a:p>
           <a:p>
             <a:pPr lvl="1"/>
             <a:r>
-              <a:rPr lang="ru-RU" smtClean="0"/>
+              <a:rPr lang="ru-RU"/>
               <a:t>Второй уровень</a:t>
             </a:r>
           </a:p>
           <a:p>
             <a:pPr lvl="2"/>
             <a:r>
-              <a:rPr lang="ru-RU" smtClean="0"/>
+              <a:rPr lang="ru-RU"/>
               <a:t>Третий уровень</a:t>
             </a:r>
           </a:p>
           <a:p>
             <a:pPr lvl="3"/>
             <a:r>
-              <a:rPr lang="ru-RU" smtClean="0"/>
+              <a:rPr lang="ru-RU"/>
               <a:t>Четвертый уровень</a:t>
             </a:r>
           </a:p>
           <a:p>
             <a:pPr lvl="4"/>
             <a:r>
-              <a:rPr lang="ru-RU" smtClean="0"/>
+              <a:rPr lang="ru-RU"/>
               <a:t>Пятый уровень</a:t>
             </a:r>
-            <a:endParaRPr lang="ru-RU"/>
           </a:p>
         </p:txBody>
       </p:sp>
@@ -7786,7 +7761,7 @@
           <a:p>
             <a:pPr lvl="0"/>
             <a:r>
-              <a:rPr lang="ru-RU" smtClean="0"/>
+              <a:rPr lang="ru-RU"/>
               <a:t>Образец текста</a:t>
             </a:r>
           </a:p>
@@ -7809,10 +7784,9 @@
           <a:p>
             <a:pPr rtl="0"/>
             <a:r>
-              <a:rPr lang="ru-RU" noProof="0" smtClean="0"/>
+              <a:rPr lang="ru-RU" noProof="0"/>
               <a:t>02.02.20ГГ</a:t>
             </a:r>
-            <a:endParaRPr lang="ru-RU" noProof="0"/>
           </a:p>
         </p:txBody>
       </p:sp>
@@ -7833,10 +7807,9 @@
           <a:p>
             <a:pPr rtl="0"/>
             <a:r>
-              <a:rPr lang="ru-RU" spc="200" noProof="0" smtClean="0"/>
+              <a:rPr lang="ru-RU" spc="200" noProof="0"/>
               <a:t>ЗАГОЛОВОК ПРЕЗЕНТАЦИИ</a:t>
             </a:r>
-            <a:endParaRPr lang="ru-RU" spc="200" noProof="0"/>
           </a:p>
         </p:txBody>
       </p:sp>
@@ -7921,10 +7894,9 @@
           </a:lstStyle>
           <a:p>
             <a:r>
-              <a:rPr lang="ru-RU" smtClean="0"/>
+              <a:rPr lang="ru-RU"/>
               <a:t>Образец заголовка</a:t>
             </a:r>
-            <a:endParaRPr lang="ru-RU"/>
           </a:p>
         </p:txBody>
       </p:sp>
@@ -8048,7 +8020,7 @@
           <a:p>
             <a:pPr lvl="0"/>
             <a:r>
-              <a:rPr lang="ru-RU" smtClean="0"/>
+              <a:rPr lang="ru-RU"/>
               <a:t>Образец текста</a:t>
             </a:r>
           </a:p>
@@ -8071,10 +8043,9 @@
           <a:p>
             <a:pPr rtl="0"/>
             <a:r>
-              <a:rPr lang="ru-RU" noProof="0" smtClean="0"/>
+              <a:rPr lang="ru-RU" noProof="0"/>
               <a:t>02.02.20ГГ</a:t>
             </a:r>
-            <a:endParaRPr lang="ru-RU" noProof="0"/>
           </a:p>
         </p:txBody>
       </p:sp>
@@ -8095,10 +8066,9 @@
           <a:p>
             <a:pPr rtl="0"/>
             <a:r>
-              <a:rPr lang="ru-RU" spc="200" noProof="0" smtClean="0"/>
+              <a:rPr lang="ru-RU" spc="200" noProof="0"/>
               <a:t>ЗАГОЛОВОК ПРЕЗЕНТАЦИИ</a:t>
             </a:r>
-            <a:endParaRPr lang="ru-RU" spc="200" noProof="0"/>
           </a:p>
         </p:txBody>
       </p:sp>
@@ -8189,10 +8159,9 @@
           <a:lstStyle/>
           <a:p>
             <a:r>
-              <a:rPr lang="ru-RU" smtClean="0"/>
+              <a:rPr lang="ru-RU"/>
               <a:t>Образец заголовка</a:t>
             </a:r>
-            <a:endParaRPr lang="ru-RU"/>
           </a:p>
         </p:txBody>
       </p:sp>
@@ -8223,38 +8192,37 @@
           <a:p>
             <a:pPr lvl="0"/>
             <a:r>
-              <a:rPr lang="ru-RU" smtClean="0"/>
+              <a:rPr lang="ru-RU"/>
               <a:t>Образец текста</a:t>
             </a:r>
           </a:p>
           <a:p>
             <a:pPr lvl="1"/>
             <a:r>
-              <a:rPr lang="ru-RU" smtClean="0"/>
+              <a:rPr lang="ru-RU"/>
               <a:t>Второй уровень</a:t>
             </a:r>
           </a:p>
           <a:p>
             <a:pPr lvl="2"/>
             <a:r>
-              <a:rPr lang="ru-RU" smtClean="0"/>
+              <a:rPr lang="ru-RU"/>
               <a:t>Третий уровень</a:t>
             </a:r>
           </a:p>
           <a:p>
             <a:pPr lvl="3"/>
             <a:r>
-              <a:rPr lang="ru-RU" smtClean="0"/>
+              <a:rPr lang="ru-RU"/>
               <a:t>Четвертый уровень</a:t>
             </a:r>
           </a:p>
           <a:p>
             <a:pPr lvl="4"/>
             <a:r>
-              <a:rPr lang="ru-RU" smtClean="0"/>
+              <a:rPr lang="ru-RU"/>
               <a:t>Пятый уровень</a:t>
             </a:r>
-            <a:endParaRPr lang="ru-RU"/>
           </a:p>
         </p:txBody>
       </p:sp>
@@ -8293,10 +8261,9 @@
           <a:p>
             <a:pPr rtl="0"/>
             <a:r>
-              <a:rPr lang="ru-RU" noProof="0" smtClean="0"/>
+              <a:rPr lang="ru-RU" noProof="0"/>
               <a:t>02.02.20ГГ</a:t>
             </a:r>
-            <a:endParaRPr lang="ru-RU" noProof="0"/>
           </a:p>
         </p:txBody>
       </p:sp>
@@ -8335,10 +8302,9 @@
           <a:p>
             <a:pPr rtl="0"/>
             <a:r>
-              <a:rPr lang="ru-RU" spc="200" noProof="0" smtClean="0"/>
+              <a:rPr lang="ru-RU" spc="200" noProof="0"/>
               <a:t>ЗАГОЛОВОК ПРЕЗЕНТАЦИИ</a:t>
             </a:r>
-            <a:endParaRPr lang="ru-RU" spc="200" noProof="0"/>
           </a:p>
         </p:txBody>
       </p:sp>
@@ -8695,7 +8661,7 @@
           <p:cNvPr id="4" name="Заголовок 3">
             <a:extLst>
               <a:ext uri="{FF2B5EF4-FFF2-40B4-BE49-F238E27FC236}">
-                <a16:creationId xmlns:a16="http://schemas.microsoft.com/office/drawing/2014/main" xmlns="" id="{4A21F7C9-5828-4AED-834A-87AEA2281531}"/>
+                <a16:creationId xmlns:a16="http://schemas.microsoft.com/office/drawing/2014/main" id="{4A21F7C9-5828-4AED-834A-87AEA2281531}"/>
               </a:ext>
             </a:extLst>
           </p:cNvPr>
@@ -8739,7 +8705,7 @@
           <p:cNvPr id="5" name="Подзаголовок 4">
             <a:extLst>
               <a:ext uri="{FF2B5EF4-FFF2-40B4-BE49-F238E27FC236}">
-                <a16:creationId xmlns:a16="http://schemas.microsoft.com/office/drawing/2014/main" xmlns="" id="{6B2940A3-1B97-4EDD-B073-C632DA7FF7C2}"/>
+                <a16:creationId xmlns:a16="http://schemas.microsoft.com/office/drawing/2014/main" id="{6B2940A3-1B97-4EDD-B073-C632DA7FF7C2}"/>
               </a:ext>
             </a:extLst>
           </p:cNvPr>
@@ -8793,23 +8759,39 @@
           </a:p>
         </p:txBody>
       </p:sp>
-      <p:sp>
-        <p:nvSpPr>
-          <p:cNvPr id="3" name="Рисунок 2"/>
-          <p:cNvSpPr>
-            <a:spLocks noGrp="1"/>
-          </p:cNvSpPr>
+      <p:pic>
+        <p:nvPicPr>
+          <p:cNvPr id="2" name="Рисунок 1">
+            <a:extLst>
+              <a:ext uri="{FF2B5EF4-FFF2-40B4-BE49-F238E27FC236}">
+                <a16:creationId xmlns:a16="http://schemas.microsoft.com/office/drawing/2014/main" id="{8DABA9A3-3B5C-4F49-6A09-920355F7817D}"/>
+              </a:ext>
+            </a:extLst>
+          </p:cNvPr>
+          <p:cNvPicPr>
+            <a:picLocks noGrp="1" noChangeAspect="1"/>
+          </p:cNvPicPr>
           <p:nvPr>
             <p:ph type="pic" sz="quarter" idx="10"/>
           </p:nvPr>
-        </p:nvSpPr>
-        <p:spPr>
-          <a:xfrm>
-            <a:off x="489596" y="439926"/>
-            <a:ext cx="5429250" cy="5545138"/>
-          </a:xfrm>
-        </p:spPr>
-      </p:sp>
+        </p:nvPicPr>
+        <p:blipFill>
+          <a:blip r:embed="rId3"/>
+          <a:srcRect l="1045" r="1045"/>
+          <a:stretch>
+            <a:fillRect/>
+          </a:stretch>
+        </p:blipFill>
+        <p:spPr>
+          <a:xfrm>
+            <a:off x="837217" y="1505016"/>
+            <a:ext cx="4228678" cy="4318939"/>
+          </a:xfrm>
+          <a:prstGeom prst="rect">
+            <a:avLst/>
+          </a:prstGeom>
+        </p:spPr>
+      </p:pic>
     </p:spTree>
     <p:extLst>
       <p:ext uri="{BB962C8B-B14F-4D97-AF65-F5344CB8AC3E}">
@@ -8845,7 +8827,7 @@
           <p:cNvPr id="62" name="Заголовок 61">
             <a:extLst>
               <a:ext uri="{FF2B5EF4-FFF2-40B4-BE49-F238E27FC236}">
-                <a16:creationId xmlns:a16="http://schemas.microsoft.com/office/drawing/2014/main" xmlns="" id="{C233D55B-4DFD-49DA-BA62-72F3E2D07DFB}"/>
+                <a16:creationId xmlns:a16="http://schemas.microsoft.com/office/drawing/2014/main" id="{C233D55B-4DFD-49DA-BA62-72F3E2D07DFB}"/>
               </a:ext>
             </a:extLst>
           </p:cNvPr>
@@ -8879,100 +8861,10 @@
       </p:sp>
       <p:sp>
         <p:nvSpPr>
-          <p:cNvPr id="3" name="Текст 2">
-            <a:extLst>
-              <a:ext uri="{FF2B5EF4-FFF2-40B4-BE49-F238E27FC236}">
-                <a16:creationId xmlns:a16="http://schemas.microsoft.com/office/drawing/2014/main" xmlns="" id="{22FA598F-5A54-440C-B392-A3CA49276522}"/>
-              </a:ext>
-            </a:extLst>
-          </p:cNvPr>
-          <p:cNvSpPr>
-            <a:spLocks noGrp="1"/>
-          </p:cNvSpPr>
-          <p:nvPr>
-            <p:ph type="body" sz="quarter" idx="11"/>
-          </p:nvPr>
-        </p:nvSpPr>
-        <p:spPr/>
-        <p:txBody>
-          <a:bodyPr rtlCol="0"/>
-          <a:lstStyle/>
-          <a:p>
-            <a:pPr rtl="0"/>
-            <a:r>
-              <a:rPr lang="ru-RU" dirty="0"/>
-              <a:t>Панаитов Юрий | </a:t>
-            </a:r>
-            <a:r>
-              <a:rPr lang="ru-RU" dirty="0" err="1"/>
-              <a:t>Фоченков</a:t>
-            </a:r>
-            <a:r>
-              <a:rPr lang="ru-RU" dirty="0"/>
-              <a:t> </a:t>
-            </a:r>
-            <a:r>
-              <a:rPr lang="ru-RU" dirty="0" smtClean="0"/>
-              <a:t>Семён</a:t>
-            </a:r>
-            <a:endParaRPr lang="ru-RU" dirty="0"/>
-          </a:p>
-        </p:txBody>
-      </p:sp>
-      <p:sp>
-        <p:nvSpPr>
-          <p:cNvPr id="6" name="Рисунок 5"/>
-          <p:cNvSpPr>
-            <a:spLocks noGrp="1"/>
-          </p:cNvSpPr>
-          <p:nvPr>
-            <p:ph type="pic" sz="quarter" idx="12"/>
-          </p:nvPr>
-        </p:nvSpPr>
-        <p:spPr/>
-      </p:sp>
-      <p:sp>
-        <p:nvSpPr>
-          <p:cNvPr id="7" name="Рисунок 6"/>
-          <p:cNvSpPr>
-            <a:spLocks noGrp="1"/>
-          </p:cNvSpPr>
-          <p:nvPr>
-            <p:ph type="pic" sz="quarter" idx="13"/>
-          </p:nvPr>
-        </p:nvSpPr>
-        <p:spPr/>
-      </p:sp>
-      <p:sp>
-        <p:nvSpPr>
-          <p:cNvPr id="8" name="Рисунок 7"/>
-          <p:cNvSpPr>
-            <a:spLocks noGrp="1"/>
-          </p:cNvSpPr>
-          <p:nvPr>
-            <p:ph type="pic" sz="quarter" idx="14"/>
-          </p:nvPr>
-        </p:nvSpPr>
-        <p:spPr/>
-      </p:sp>
-      <p:sp>
-        <p:nvSpPr>
-          <p:cNvPr id="9" name="Рисунок 8"/>
-          <p:cNvSpPr>
-            <a:spLocks noGrp="1"/>
-          </p:cNvSpPr>
-          <p:nvPr>
-            <p:ph type="pic" sz="quarter" idx="15"/>
-          </p:nvPr>
-        </p:nvSpPr>
-        <p:spPr/>
-      </p:sp>
-      <p:sp>
-        <p:nvSpPr>
           <p:cNvPr id="5" name="Номер слайда 4">
             <a:extLst>
               <a:ext uri="{FF2B5EF4-FFF2-40B4-BE49-F238E27FC236}">
-                <a16:creationId xmlns:a16="http://schemas.microsoft.com/office/drawing/2014/main" xmlns="" id="{E6956C8A-7BD4-4A46-82BA-EAB9CAD4B56A}"/>
+                <a16:creationId xmlns:a16="http://schemas.microsoft.com/office/drawing/2014/main" id="{E6956C8A-7BD4-4A46-82BA-EAB9CAD4B56A}"/>
               </a:ext>
             </a:extLst>
           </p:cNvPr>
@@ -8998,6 +8890,223 @@
           </a:p>
         </p:txBody>
       </p:sp>
+      <p:sp>
+        <p:nvSpPr>
+          <p:cNvPr id="10" name="Объект 8">
+            <a:extLst>
+              <a:ext uri="{FF2B5EF4-FFF2-40B4-BE49-F238E27FC236}">
+                <a16:creationId xmlns:a16="http://schemas.microsoft.com/office/drawing/2014/main" id="{8A7C1A97-2F0E-4E38-DFA9-356144953415}"/>
+              </a:ext>
+            </a:extLst>
+          </p:cNvPr>
+          <p:cNvSpPr txBox="1">
+            <a:spLocks/>
+          </p:cNvSpPr>
+          <p:nvPr/>
+        </p:nvSpPr>
+        <p:spPr>
+          <a:xfrm>
+            <a:off x="1973408" y="5892086"/>
+            <a:ext cx="8245184" cy="1026572"/>
+          </a:xfrm>
+          <a:prstGeom prst="rect">
+            <a:avLst/>
+          </a:prstGeom>
+        </p:spPr>
+        <p:txBody>
+          <a:bodyPr rtlCol="0">
+            <a:normAutofit/>
+          </a:bodyPr>
+          <a:lstStyle>
+            <a:lvl1pPr marL="342900" indent="-342900" algn="l" defTabSz="914400" rtl="0" eaLnBrk="1" latinLnBrk="0" hangingPunct="1">
+              <a:spcBef>
+                <a:spcPct val="20000"/>
+              </a:spcBef>
+              <a:buFont typeface="Arial" panose="020B0604020202020204" pitchFamily="34" charset="0"/>
+              <a:buChar char="•"/>
+              <a:defRPr sz="3200" kern="1200">
+                <a:solidFill>
+                  <a:schemeClr val="tx1"/>
+                </a:solidFill>
+                <a:latin typeface="+mn-lt"/>
+                <a:ea typeface="+mn-ea"/>
+                <a:cs typeface="+mn-cs"/>
+              </a:defRPr>
+            </a:lvl1pPr>
+            <a:lvl2pPr marL="742950" indent="-285750" algn="l" defTabSz="914400" rtl="0" eaLnBrk="1" latinLnBrk="0" hangingPunct="1">
+              <a:spcBef>
+                <a:spcPct val="20000"/>
+              </a:spcBef>
+              <a:buFont typeface="Arial" panose="020B0604020202020204" pitchFamily="34" charset="0"/>
+              <a:buChar char="–"/>
+              <a:defRPr sz="2800" kern="1200">
+                <a:solidFill>
+                  <a:schemeClr val="tx1"/>
+                </a:solidFill>
+                <a:latin typeface="+mn-lt"/>
+                <a:ea typeface="+mn-ea"/>
+                <a:cs typeface="+mn-cs"/>
+              </a:defRPr>
+            </a:lvl2pPr>
+            <a:lvl3pPr marL="1143000" indent="-228600" algn="l" defTabSz="914400" rtl="0" eaLnBrk="1" latinLnBrk="0" hangingPunct="1">
+              <a:spcBef>
+                <a:spcPct val="20000"/>
+              </a:spcBef>
+              <a:buFont typeface="Arial" panose="020B0604020202020204" pitchFamily="34" charset="0"/>
+              <a:buChar char="•"/>
+              <a:defRPr sz="2400" kern="1200">
+                <a:solidFill>
+                  <a:schemeClr val="tx1"/>
+                </a:solidFill>
+                <a:latin typeface="+mn-lt"/>
+                <a:ea typeface="+mn-ea"/>
+                <a:cs typeface="+mn-cs"/>
+              </a:defRPr>
+            </a:lvl3pPr>
+            <a:lvl4pPr marL="1600200" indent="-228600" algn="l" defTabSz="914400" rtl="0" eaLnBrk="1" latinLnBrk="0" hangingPunct="1">
+              <a:spcBef>
+                <a:spcPct val="20000"/>
+              </a:spcBef>
+              <a:buFont typeface="Arial" panose="020B0604020202020204" pitchFamily="34" charset="0"/>
+              <a:buChar char="–"/>
+              <a:defRPr sz="2000" kern="1200">
+                <a:solidFill>
+                  <a:schemeClr val="tx1"/>
+                </a:solidFill>
+                <a:latin typeface="+mn-lt"/>
+                <a:ea typeface="+mn-ea"/>
+                <a:cs typeface="+mn-cs"/>
+              </a:defRPr>
+            </a:lvl4pPr>
+            <a:lvl5pPr marL="2057400" indent="-228600" algn="l" defTabSz="914400" rtl="0" eaLnBrk="1" latinLnBrk="0" hangingPunct="1">
+              <a:spcBef>
+                <a:spcPct val="20000"/>
+              </a:spcBef>
+              <a:buFont typeface="Arial" panose="020B0604020202020204" pitchFamily="34" charset="0"/>
+              <a:buChar char="»"/>
+              <a:defRPr sz="2000" kern="1200">
+                <a:solidFill>
+                  <a:schemeClr val="tx1"/>
+                </a:solidFill>
+                <a:latin typeface="+mn-lt"/>
+                <a:ea typeface="+mn-ea"/>
+                <a:cs typeface="+mn-cs"/>
+              </a:defRPr>
+            </a:lvl5pPr>
+            <a:lvl6pPr marL="2514600" indent="-228600" algn="l" defTabSz="914400" rtl="0" eaLnBrk="1" latinLnBrk="0" hangingPunct="1">
+              <a:spcBef>
+                <a:spcPct val="20000"/>
+              </a:spcBef>
+              <a:buFont typeface="Arial" panose="020B0604020202020204" pitchFamily="34" charset="0"/>
+              <a:buChar char="•"/>
+              <a:defRPr sz="2000" kern="1200">
+                <a:solidFill>
+                  <a:schemeClr val="tx1"/>
+                </a:solidFill>
+                <a:latin typeface="+mn-lt"/>
+                <a:ea typeface="+mn-ea"/>
+                <a:cs typeface="+mn-cs"/>
+              </a:defRPr>
+            </a:lvl6pPr>
+            <a:lvl7pPr marL="2971800" indent="-228600" algn="l" defTabSz="914400" rtl="0" eaLnBrk="1" latinLnBrk="0" hangingPunct="1">
+              <a:spcBef>
+                <a:spcPct val="20000"/>
+              </a:spcBef>
+              <a:buFont typeface="Arial" panose="020B0604020202020204" pitchFamily="34" charset="0"/>
+              <a:buChar char="•"/>
+              <a:defRPr sz="2000" kern="1200">
+                <a:solidFill>
+                  <a:schemeClr val="tx1"/>
+                </a:solidFill>
+                <a:latin typeface="+mn-lt"/>
+                <a:ea typeface="+mn-ea"/>
+                <a:cs typeface="+mn-cs"/>
+              </a:defRPr>
+            </a:lvl7pPr>
+            <a:lvl8pPr marL="3429000" indent="-228600" algn="l" defTabSz="914400" rtl="0" eaLnBrk="1" latinLnBrk="0" hangingPunct="1">
+              <a:spcBef>
+                <a:spcPct val="20000"/>
+              </a:spcBef>
+              <a:buFont typeface="Arial" panose="020B0604020202020204" pitchFamily="34" charset="0"/>
+              <a:buChar char="•"/>
+              <a:defRPr sz="2000" kern="1200">
+                <a:solidFill>
+                  <a:schemeClr val="tx1"/>
+                </a:solidFill>
+                <a:latin typeface="+mn-lt"/>
+                <a:ea typeface="+mn-ea"/>
+                <a:cs typeface="+mn-cs"/>
+              </a:defRPr>
+            </a:lvl8pPr>
+            <a:lvl9pPr marL="3886200" indent="-228600" algn="l" defTabSz="914400" rtl="0" eaLnBrk="1" latinLnBrk="0" hangingPunct="1">
+              <a:spcBef>
+                <a:spcPct val="20000"/>
+              </a:spcBef>
+              <a:buFont typeface="Arial" panose="020B0604020202020204" pitchFamily="34" charset="0"/>
+              <a:buChar char="•"/>
+              <a:defRPr sz="2000" kern="1200">
+                <a:solidFill>
+                  <a:schemeClr val="tx1"/>
+                </a:solidFill>
+                <a:latin typeface="+mn-lt"/>
+                <a:ea typeface="+mn-ea"/>
+                <a:cs typeface="+mn-cs"/>
+              </a:defRPr>
+            </a:lvl9pPr>
+          </a:lstStyle>
+          <a:p>
+            <a:pPr marL="1944" indent="0" algn="ctr">
+              <a:buNone/>
+            </a:pPr>
+            <a:r>
+              <a:rPr lang="ru-RU" dirty="0"/>
+              <a:t>Панаитов Юрий </a:t>
+            </a:r>
+            <a:r>
+              <a:rPr lang="en-US" dirty="0"/>
+              <a:t>| </a:t>
+            </a:r>
+            <a:r>
+              <a:rPr lang="ru-RU" dirty="0" err="1"/>
+              <a:t>Фоченков</a:t>
+            </a:r>
+            <a:r>
+              <a:rPr lang="ru-RU" dirty="0"/>
+              <a:t> Семён</a:t>
+            </a:r>
+          </a:p>
+        </p:txBody>
+      </p:sp>
+      <p:pic>
+        <p:nvPicPr>
+          <p:cNvPr id="14" name="Рисунок 13">
+            <a:extLst>
+              <a:ext uri="{FF2B5EF4-FFF2-40B4-BE49-F238E27FC236}">
+                <a16:creationId xmlns:a16="http://schemas.microsoft.com/office/drawing/2014/main" id="{BA3DDC23-B901-CB39-C237-57E3B969D3AE}"/>
+              </a:ext>
+            </a:extLst>
+          </p:cNvPr>
+          <p:cNvPicPr>
+            <a:picLocks noChangeAspect="1"/>
+          </p:cNvPicPr>
+          <p:nvPr/>
+        </p:nvPicPr>
+        <p:blipFill>
+          <a:blip r:embed="rId3"/>
+          <a:stretch>
+            <a:fillRect/>
+          </a:stretch>
+        </p:blipFill>
+        <p:spPr>
+          <a:xfrm>
+            <a:off x="4826159" y="2159159"/>
+            <a:ext cx="2539682" cy="2539682"/>
+          </a:xfrm>
+          <a:prstGeom prst="rect">
+            <a:avLst/>
+          </a:prstGeom>
+        </p:spPr>
+      </p:pic>
     </p:spTree>
     <p:extLst>
       <p:ext uri="{BB962C8B-B14F-4D97-AF65-F5344CB8AC3E}">
@@ -9033,7 +9142,7 @@
           <p:cNvPr id="2" name="Заголовок 1">
             <a:extLst>
               <a:ext uri="{FF2B5EF4-FFF2-40B4-BE49-F238E27FC236}">
-                <a16:creationId xmlns:a16="http://schemas.microsoft.com/office/drawing/2014/main" xmlns="" id="{C35E6C5E-E957-89D6-6A11-2DA74123909D}"/>
+                <a16:creationId xmlns:a16="http://schemas.microsoft.com/office/drawing/2014/main" id="{C35E6C5E-E957-89D6-6A11-2DA74123909D}"/>
               </a:ext>
             </a:extLst>
           </p:cNvPr>
@@ -9063,53 +9172,10 @@
       </p:sp>
       <p:sp>
         <p:nvSpPr>
-          <p:cNvPr id="3" name="Объект 2">
-            <a:extLst>
-              <a:ext uri="{FF2B5EF4-FFF2-40B4-BE49-F238E27FC236}">
-                <a16:creationId xmlns:a16="http://schemas.microsoft.com/office/drawing/2014/main" xmlns="" id="{9D2E6F0F-15F0-3E89-A987-5214B3579DD6}"/>
-              </a:ext>
-            </a:extLst>
-          </p:cNvPr>
-          <p:cNvSpPr>
-            <a:spLocks noGrp="1"/>
-          </p:cNvSpPr>
-          <p:nvPr>
-            <p:ph sz="quarter" idx="11"/>
-          </p:nvPr>
-        </p:nvSpPr>
-        <p:spPr>
-          <a:xfrm>
-            <a:off x="1574856" y="1966198"/>
-            <a:ext cx="9042288" cy="3906837"/>
-          </a:xfrm>
-        </p:spPr>
-        <p:txBody>
-          <a:bodyPr>
-            <a:normAutofit/>
-          </a:bodyPr>
-          <a:lstStyle/>
-          <a:p>
-            <a:r>
-              <a:rPr lang="ru-RU" sz="3200" dirty="0"/>
-              <a:t>Создать сайт по продаже гаджетов </a:t>
-            </a:r>
-            <a:r>
-              <a:rPr lang="en-US" sz="3200" dirty="0"/>
-              <a:t>Apple</a:t>
-            </a:r>
-            <a:r>
-              <a:rPr lang="ru-RU" sz="3200" dirty="0"/>
-              <a:t>, где будут присутствовать разные категории товаров.</a:t>
-            </a:r>
-          </a:p>
-        </p:txBody>
-      </p:sp>
-      <p:sp>
-        <p:nvSpPr>
           <p:cNvPr id="6" name="Номер слайда 5">
             <a:extLst>
               <a:ext uri="{FF2B5EF4-FFF2-40B4-BE49-F238E27FC236}">
-                <a16:creationId xmlns:a16="http://schemas.microsoft.com/office/drawing/2014/main" xmlns="" id="{2D2A6F10-D591-90B7-328C-161EEF8AE7F9}"/>
+                <a16:creationId xmlns:a16="http://schemas.microsoft.com/office/drawing/2014/main" id="{2D2A6F10-D591-90B7-328C-161EEF8AE7F9}"/>
               </a:ext>
             </a:extLst>
           </p:cNvPr>
@@ -9135,6 +9201,236 @@
           </a:p>
         </p:txBody>
       </p:sp>
+      <p:sp>
+        <p:nvSpPr>
+          <p:cNvPr id="12" name="Объект 10">
+            <a:extLst>
+              <a:ext uri="{FF2B5EF4-FFF2-40B4-BE49-F238E27FC236}">
+                <a16:creationId xmlns:a16="http://schemas.microsoft.com/office/drawing/2014/main" id="{AEADE4DF-F2F0-6091-3035-FB07D34DC4F8}"/>
+              </a:ext>
+            </a:extLst>
+          </p:cNvPr>
+          <p:cNvSpPr txBox="1">
+            <a:spLocks/>
+          </p:cNvSpPr>
+          <p:nvPr/>
+        </p:nvSpPr>
+        <p:spPr>
+          <a:xfrm>
+            <a:off x="2446984" y="2147112"/>
+            <a:ext cx="7650051" cy="2940043"/>
+          </a:xfrm>
+          <a:prstGeom prst="rect">
+            <a:avLst/>
+          </a:prstGeom>
+        </p:spPr>
+        <p:txBody>
+          <a:bodyPr rtlCol="0">
+            <a:normAutofit/>
+          </a:bodyPr>
+          <a:lstStyle>
+            <a:lvl1pPr marL="342900" indent="-342900" algn="l" defTabSz="914400" rtl="0" eaLnBrk="1" latinLnBrk="0" hangingPunct="1">
+              <a:spcBef>
+                <a:spcPct val="20000"/>
+              </a:spcBef>
+              <a:buFont typeface="Arial" panose="020B0604020202020204" pitchFamily="34" charset="0"/>
+              <a:buChar char="•"/>
+              <a:defRPr sz="3200" kern="1200">
+                <a:solidFill>
+                  <a:schemeClr val="tx1"/>
+                </a:solidFill>
+                <a:latin typeface="+mn-lt"/>
+                <a:ea typeface="+mn-ea"/>
+                <a:cs typeface="+mn-cs"/>
+              </a:defRPr>
+            </a:lvl1pPr>
+            <a:lvl2pPr marL="742950" indent="-285750" algn="l" defTabSz="914400" rtl="0" eaLnBrk="1" latinLnBrk="0" hangingPunct="1">
+              <a:spcBef>
+                <a:spcPct val="20000"/>
+              </a:spcBef>
+              <a:buFont typeface="Arial" panose="020B0604020202020204" pitchFamily="34" charset="0"/>
+              <a:buChar char="–"/>
+              <a:defRPr sz="2800" kern="1200">
+                <a:solidFill>
+                  <a:schemeClr val="tx1"/>
+                </a:solidFill>
+                <a:latin typeface="+mn-lt"/>
+                <a:ea typeface="+mn-ea"/>
+                <a:cs typeface="+mn-cs"/>
+              </a:defRPr>
+            </a:lvl2pPr>
+            <a:lvl3pPr marL="1143000" indent="-228600" algn="l" defTabSz="914400" rtl="0" eaLnBrk="1" latinLnBrk="0" hangingPunct="1">
+              <a:spcBef>
+                <a:spcPct val="20000"/>
+              </a:spcBef>
+              <a:buFont typeface="Arial" panose="020B0604020202020204" pitchFamily="34" charset="0"/>
+              <a:buChar char="•"/>
+              <a:defRPr sz="2400" kern="1200">
+                <a:solidFill>
+                  <a:schemeClr val="tx1"/>
+                </a:solidFill>
+                <a:latin typeface="+mn-lt"/>
+                <a:ea typeface="+mn-ea"/>
+                <a:cs typeface="+mn-cs"/>
+              </a:defRPr>
+            </a:lvl3pPr>
+            <a:lvl4pPr marL="1600200" indent="-228600" algn="l" defTabSz="914400" rtl="0" eaLnBrk="1" latinLnBrk="0" hangingPunct="1">
+              <a:spcBef>
+                <a:spcPct val="20000"/>
+              </a:spcBef>
+              <a:buFont typeface="Arial" panose="020B0604020202020204" pitchFamily="34" charset="0"/>
+              <a:buChar char="–"/>
+              <a:defRPr sz="2000" kern="1200">
+                <a:solidFill>
+                  <a:schemeClr val="tx1"/>
+                </a:solidFill>
+                <a:latin typeface="+mn-lt"/>
+                <a:ea typeface="+mn-ea"/>
+                <a:cs typeface="+mn-cs"/>
+              </a:defRPr>
+            </a:lvl4pPr>
+            <a:lvl5pPr marL="2057400" indent="-228600" algn="l" defTabSz="914400" rtl="0" eaLnBrk="1" latinLnBrk="0" hangingPunct="1">
+              <a:spcBef>
+                <a:spcPct val="20000"/>
+              </a:spcBef>
+              <a:buFont typeface="Arial" panose="020B0604020202020204" pitchFamily="34" charset="0"/>
+              <a:buChar char="»"/>
+              <a:defRPr sz="2000" kern="1200">
+                <a:solidFill>
+                  <a:schemeClr val="tx1"/>
+                </a:solidFill>
+                <a:latin typeface="+mn-lt"/>
+                <a:ea typeface="+mn-ea"/>
+                <a:cs typeface="+mn-cs"/>
+              </a:defRPr>
+            </a:lvl5pPr>
+            <a:lvl6pPr marL="2514600" indent="-228600" algn="l" defTabSz="914400" rtl="0" eaLnBrk="1" latinLnBrk="0" hangingPunct="1">
+              <a:spcBef>
+                <a:spcPct val="20000"/>
+              </a:spcBef>
+              <a:buFont typeface="Arial" panose="020B0604020202020204" pitchFamily="34" charset="0"/>
+              <a:buChar char="•"/>
+              <a:defRPr sz="2000" kern="1200">
+                <a:solidFill>
+                  <a:schemeClr val="tx1"/>
+                </a:solidFill>
+                <a:latin typeface="+mn-lt"/>
+                <a:ea typeface="+mn-ea"/>
+                <a:cs typeface="+mn-cs"/>
+              </a:defRPr>
+            </a:lvl6pPr>
+            <a:lvl7pPr marL="2971800" indent="-228600" algn="l" defTabSz="914400" rtl="0" eaLnBrk="1" latinLnBrk="0" hangingPunct="1">
+              <a:spcBef>
+                <a:spcPct val="20000"/>
+              </a:spcBef>
+              <a:buFont typeface="Arial" panose="020B0604020202020204" pitchFamily="34" charset="0"/>
+              <a:buChar char="•"/>
+              <a:defRPr sz="2000" kern="1200">
+                <a:solidFill>
+                  <a:schemeClr val="tx1"/>
+                </a:solidFill>
+                <a:latin typeface="+mn-lt"/>
+                <a:ea typeface="+mn-ea"/>
+                <a:cs typeface="+mn-cs"/>
+              </a:defRPr>
+            </a:lvl7pPr>
+            <a:lvl8pPr marL="3429000" indent="-228600" algn="l" defTabSz="914400" rtl="0" eaLnBrk="1" latinLnBrk="0" hangingPunct="1">
+              <a:spcBef>
+                <a:spcPct val="20000"/>
+              </a:spcBef>
+              <a:buFont typeface="Arial" panose="020B0604020202020204" pitchFamily="34" charset="0"/>
+              <a:buChar char="•"/>
+              <a:defRPr sz="2000" kern="1200">
+                <a:solidFill>
+                  <a:schemeClr val="tx1"/>
+                </a:solidFill>
+                <a:latin typeface="+mn-lt"/>
+                <a:ea typeface="+mn-ea"/>
+                <a:cs typeface="+mn-cs"/>
+              </a:defRPr>
+            </a:lvl8pPr>
+            <a:lvl9pPr marL="3886200" indent="-228600" algn="l" defTabSz="914400" rtl="0" eaLnBrk="1" latinLnBrk="0" hangingPunct="1">
+              <a:spcBef>
+                <a:spcPct val="20000"/>
+              </a:spcBef>
+              <a:buFont typeface="Arial" panose="020B0604020202020204" pitchFamily="34" charset="0"/>
+              <a:buChar char="•"/>
+              <a:defRPr sz="2000" kern="1200">
+                <a:solidFill>
+                  <a:schemeClr val="tx1"/>
+                </a:solidFill>
+                <a:latin typeface="+mn-lt"/>
+                <a:ea typeface="+mn-ea"/>
+                <a:cs typeface="+mn-cs"/>
+              </a:defRPr>
+            </a:lvl9pPr>
+          </a:lstStyle>
+          <a:p>
+            <a:pPr marL="0" indent="0">
+              <a:buNone/>
+            </a:pPr>
+            <a:r>
+              <a:rPr lang="ru-RU" sz="2800" dirty="0"/>
+              <a:t>Создать сайт по продаже гаджетов </a:t>
+            </a:r>
+            <a:r>
+              <a:rPr lang="en-US" sz="2800" dirty="0"/>
+              <a:t>Apple</a:t>
+            </a:r>
+            <a:r>
+              <a:rPr lang="ru-RU" sz="2800" dirty="0"/>
+              <a:t>, где будут присутствовать разные категории товаров.</a:t>
+            </a:r>
+          </a:p>
+        </p:txBody>
+      </p:sp>
+      <p:pic>
+        <p:nvPicPr>
+          <p:cNvPr id="2050" name="Picture 2">
+            <a:extLst>
+              <a:ext uri="{FF2B5EF4-FFF2-40B4-BE49-F238E27FC236}">
+                <a16:creationId xmlns:a16="http://schemas.microsoft.com/office/drawing/2014/main" id="{52C9BD98-5BB1-E82A-418D-CF6711FAA31B}"/>
+              </a:ext>
+            </a:extLst>
+          </p:cNvPr>
+          <p:cNvPicPr>
+            <a:picLocks noChangeAspect="1" noChangeArrowheads="1"/>
+          </p:cNvPicPr>
+          <p:nvPr/>
+        </p:nvPicPr>
+        <p:blipFill>
+          <a:blip r:embed="rId2">
+            <a:extLst>
+              <a:ext uri="{28A0092B-C50C-407E-A947-70E740481C1C}">
+                <a14:useLocalDpi xmlns:a14="http://schemas.microsoft.com/office/drawing/2010/main" val="0"/>
+              </a:ext>
+            </a:extLst>
+          </a:blip>
+          <a:srcRect/>
+          <a:stretch>
+            <a:fillRect/>
+          </a:stretch>
+        </p:blipFill>
+        <p:spPr bwMode="auto">
+          <a:xfrm>
+            <a:off x="5200446" y="3857654"/>
+            <a:ext cx="2143125" cy="2143125"/>
+          </a:xfrm>
+          <a:prstGeom prst="rect">
+            <a:avLst/>
+          </a:prstGeom>
+          <a:noFill/>
+          <a:extLst>
+            <a:ext uri="{909E8E84-426E-40DD-AFC4-6F175D3DCCD1}">
+              <a14:hiddenFill xmlns:a14="http://schemas.microsoft.com/office/drawing/2010/main">
+                <a:solidFill>
+                  <a:srgbClr val="FFFFFF"/>
+                </a:solidFill>
+              </a14:hiddenFill>
+            </a:ext>
+          </a:extLst>
+        </p:spPr>
+      </p:pic>
     </p:spTree>
     <p:extLst>
       <p:ext uri="{BB962C8B-B14F-4D97-AF65-F5344CB8AC3E}">
@@ -9170,7 +9466,7 @@
           <p:cNvPr id="10" name="Заголовок 9">
             <a:extLst>
               <a:ext uri="{FF2B5EF4-FFF2-40B4-BE49-F238E27FC236}">
-                <a16:creationId xmlns:a16="http://schemas.microsoft.com/office/drawing/2014/main" xmlns="" id="{C95E17A9-94C3-43A2-AF79-D18356EA3681}"/>
+                <a16:creationId xmlns:a16="http://schemas.microsoft.com/office/drawing/2014/main" id="{C95E17A9-94C3-43A2-AF79-D18356EA3681}"/>
               </a:ext>
             </a:extLst>
           </p:cNvPr>
@@ -9183,8 +9479,8 @@
         </p:nvSpPr>
         <p:spPr>
           <a:xfrm>
-            <a:off x="448056" y="551844"/>
-            <a:ext cx="5432044" cy="860400"/>
+            <a:off x="306388" y="603360"/>
+            <a:ext cx="6506536" cy="860400"/>
           </a:xfrm>
         </p:spPr>
         <p:txBody>
@@ -9206,7 +9502,7 @@
           <p:cNvPr id="11" name="Объект 10">
             <a:extLst>
               <a:ext uri="{FF2B5EF4-FFF2-40B4-BE49-F238E27FC236}">
-                <a16:creationId xmlns:a16="http://schemas.microsoft.com/office/drawing/2014/main" xmlns="" id="{BD10AD8D-8DE5-40F2-A2F2-E7567BEC34E4}"/>
+                <a16:creationId xmlns:a16="http://schemas.microsoft.com/office/drawing/2014/main" id="{BD10AD8D-8DE5-40F2-A2F2-E7567BEC34E4}"/>
               </a:ext>
             </a:extLst>
           </p:cNvPr>
@@ -9219,8 +9515,8 @@
         </p:nvSpPr>
         <p:spPr>
           <a:xfrm>
-            <a:off x="448055" y="1944000"/>
-            <a:ext cx="9052405" cy="4006800"/>
+            <a:off x="448056" y="1944000"/>
+            <a:ext cx="6699719" cy="4006800"/>
           </a:xfrm>
         </p:spPr>
         <p:txBody>
@@ -9248,7 +9544,7 @@
           <p:cNvPr id="4" name="Номер слайда 3">
             <a:extLst>
               <a:ext uri="{FF2B5EF4-FFF2-40B4-BE49-F238E27FC236}">
-                <a16:creationId xmlns:a16="http://schemas.microsoft.com/office/drawing/2014/main" xmlns="" id="{0176EB0E-E7B9-4EF9-A88F-4A2531EADAFD}"/>
+                <a16:creationId xmlns:a16="http://schemas.microsoft.com/office/drawing/2014/main" id="{0176EB0E-E7B9-4EF9-A88F-4A2531EADAFD}"/>
               </a:ext>
             </a:extLst>
           </p:cNvPr>
@@ -9274,6 +9570,36 @@
           </a:p>
         </p:txBody>
       </p:sp>
+      <p:pic>
+        <p:nvPicPr>
+          <p:cNvPr id="3" name="Рисунок 2">
+            <a:extLst>
+              <a:ext uri="{FF2B5EF4-FFF2-40B4-BE49-F238E27FC236}">
+                <a16:creationId xmlns:a16="http://schemas.microsoft.com/office/drawing/2014/main" id="{BBE38187-D439-C6CA-9288-53FA3FC46302}"/>
+              </a:ext>
+            </a:extLst>
+          </p:cNvPr>
+          <p:cNvPicPr>
+            <a:picLocks noChangeAspect="1"/>
+          </p:cNvPicPr>
+          <p:nvPr/>
+        </p:nvPicPr>
+        <p:blipFill>
+          <a:blip r:embed="rId3"/>
+          <a:stretch>
+            <a:fillRect/>
+          </a:stretch>
+        </p:blipFill>
+        <p:spPr>
+          <a:xfrm>
+            <a:off x="7657685" y="180305"/>
+            <a:ext cx="3583340" cy="5615189"/>
+          </a:xfrm>
+          <a:prstGeom prst="rect">
+            <a:avLst/>
+          </a:prstGeom>
+        </p:spPr>
+      </p:pic>
     </p:spTree>
     <p:extLst>
       <p:ext uri="{BB962C8B-B14F-4D97-AF65-F5344CB8AC3E}">
@@ -9309,7 +9635,7 @@
           <p:cNvPr id="41" name="Заголовок 40">
             <a:extLst>
               <a:ext uri="{FF2B5EF4-FFF2-40B4-BE49-F238E27FC236}">
-                <a16:creationId xmlns:a16="http://schemas.microsoft.com/office/drawing/2014/main" xmlns="" id="{46793BD1-7C04-483A-A469-DAA06C12E84E}"/>
+                <a16:creationId xmlns:a16="http://schemas.microsoft.com/office/drawing/2014/main" id="{46793BD1-7C04-483A-A469-DAA06C12E84E}"/>
               </a:ext>
             </a:extLst>
           </p:cNvPr>
@@ -9340,7 +9666,7 @@
           <p:cNvPr id="10" name="Текст 9">
             <a:extLst>
               <a:ext uri="{FF2B5EF4-FFF2-40B4-BE49-F238E27FC236}">
-                <a16:creationId xmlns:a16="http://schemas.microsoft.com/office/drawing/2014/main" xmlns="" id="{11E5188D-9217-4D75-9FFB-DF2DD7C58F55}"/>
+                <a16:creationId xmlns:a16="http://schemas.microsoft.com/office/drawing/2014/main" id="{11E5188D-9217-4D75-9FFB-DF2DD7C58F55}"/>
               </a:ext>
             </a:extLst>
           </p:cNvPr>
@@ -9373,7 +9699,7 @@
           <p:cNvPr id="11" name="Текст 10">
             <a:extLst>
               <a:ext uri="{FF2B5EF4-FFF2-40B4-BE49-F238E27FC236}">
-                <a16:creationId xmlns:a16="http://schemas.microsoft.com/office/drawing/2014/main" xmlns="" id="{93D5D9F3-5B01-40DC-A47C-4E7967EEC07E}"/>
+                <a16:creationId xmlns:a16="http://schemas.microsoft.com/office/drawing/2014/main" id="{93D5D9F3-5B01-40DC-A47C-4E7967EEC07E}"/>
               </a:ext>
             </a:extLst>
           </p:cNvPr>
@@ -9430,7 +9756,7 @@
           <p:cNvPr id="13" name="Текст 12">
             <a:extLst>
               <a:ext uri="{FF2B5EF4-FFF2-40B4-BE49-F238E27FC236}">
-                <a16:creationId xmlns:a16="http://schemas.microsoft.com/office/drawing/2014/main" xmlns="" id="{43B2082A-92EA-4E3D-87BA-213F4D066C58}"/>
+                <a16:creationId xmlns:a16="http://schemas.microsoft.com/office/drawing/2014/main" id="{43B2082A-92EA-4E3D-87BA-213F4D066C58}"/>
               </a:ext>
             </a:extLst>
           </p:cNvPr>
@@ -9470,7 +9796,7 @@
           <p:cNvPr id="14" name="Текст 13">
             <a:extLst>
               <a:ext uri="{FF2B5EF4-FFF2-40B4-BE49-F238E27FC236}">
-                <a16:creationId xmlns:a16="http://schemas.microsoft.com/office/drawing/2014/main" xmlns="" id="{B8529CDE-81D2-4ABC-97FD-67F8D1BFF004}"/>
+                <a16:creationId xmlns:a16="http://schemas.microsoft.com/office/drawing/2014/main" id="{B8529CDE-81D2-4ABC-97FD-67F8D1BFF004}"/>
               </a:ext>
             </a:extLst>
           </p:cNvPr>
@@ -9570,7 +9896,7 @@
           <p:cNvPr id="15" name="Текст 14">
             <a:extLst>
               <a:ext uri="{FF2B5EF4-FFF2-40B4-BE49-F238E27FC236}">
-                <a16:creationId xmlns:a16="http://schemas.microsoft.com/office/drawing/2014/main" xmlns="" id="{48B13D9D-3675-4278-827F-803CFB1578E7}"/>
+                <a16:creationId xmlns:a16="http://schemas.microsoft.com/office/drawing/2014/main" id="{48B13D9D-3675-4278-827F-803CFB1578E7}"/>
               </a:ext>
             </a:extLst>
           </p:cNvPr>
@@ -9603,7 +9929,7 @@
           <p:cNvPr id="16" name="Текст 15">
             <a:extLst>
               <a:ext uri="{FF2B5EF4-FFF2-40B4-BE49-F238E27FC236}">
-                <a16:creationId xmlns:a16="http://schemas.microsoft.com/office/drawing/2014/main" xmlns="" id="{83982318-B21C-43FC-A346-FA76B67EC624}"/>
+                <a16:creationId xmlns:a16="http://schemas.microsoft.com/office/drawing/2014/main" id="{83982318-B21C-43FC-A346-FA76B67EC624}"/>
               </a:ext>
             </a:extLst>
           </p:cNvPr>
@@ -9671,7 +9997,7 @@
           <p:cNvPr id="4" name="Номер слайда 3">
             <a:extLst>
               <a:ext uri="{FF2B5EF4-FFF2-40B4-BE49-F238E27FC236}">
-                <a16:creationId xmlns:a16="http://schemas.microsoft.com/office/drawing/2014/main" xmlns="" id="{EDBC95EA-0D2B-4572-9928-F979861742C6}"/>
+                <a16:creationId xmlns:a16="http://schemas.microsoft.com/office/drawing/2014/main" id="{EDBC95EA-0D2B-4572-9928-F979861742C6}"/>
               </a:ext>
             </a:extLst>
           </p:cNvPr>
@@ -9751,396 +10077,10 @@
           <a:lstStyle/>
           <a:p>
             <a:r>
-              <a:rPr lang="en-US" dirty="0" smtClean="0"/>
+              <a:rPr lang="en-US" dirty="0"/>
               <a:t>Flask</a:t>
             </a:r>
             <a:endParaRPr lang="ru-RU" dirty="0"/>
-          </a:p>
-        </p:txBody>
-      </p:sp>
-      <p:sp>
-        <p:nvSpPr>
-          <p:cNvPr id="8" name="Текст 7"/>
-          <p:cNvSpPr>
-            <a:spLocks noGrp="1"/>
-          </p:cNvSpPr>
-          <p:nvPr>
-            <p:ph type="body" sz="quarter" idx="10"/>
-          </p:nvPr>
-        </p:nvSpPr>
-        <p:spPr>
-          <a:xfrm>
-            <a:off x="457200" y="1797803"/>
-            <a:ext cx="11282120" cy="4024279"/>
-          </a:xfrm>
-        </p:spPr>
-        <p:txBody>
-          <a:bodyPr>
-            <a:normAutofit fontScale="92500"/>
-          </a:bodyPr>
-          <a:lstStyle/>
-          <a:p>
-            <a:r>
-              <a:rPr lang="ru-RU" dirty="0" smtClean="0">
-                <a:solidFill>
-                  <a:schemeClr val="tx1">
-                    <a:alpha val="46000"/>
-                  </a:schemeClr>
-                </a:solidFill>
-              </a:rPr>
-              <a:t>Для создания проекта мы использовали </a:t>
-            </a:r>
-            <a:r>
-              <a:rPr lang="ru-RU" dirty="0" err="1" smtClean="0">
-                <a:solidFill>
-                  <a:schemeClr val="tx1">
-                    <a:alpha val="46000"/>
-                  </a:schemeClr>
-                </a:solidFill>
-              </a:rPr>
-              <a:t>фреймворк</a:t>
-            </a:r>
-            <a:r>
-              <a:rPr lang="ru-RU" dirty="0" smtClean="0">
-                <a:solidFill>
-                  <a:schemeClr val="tx1">
-                    <a:alpha val="46000"/>
-                  </a:schemeClr>
-                </a:solidFill>
-              </a:rPr>
-              <a:t> </a:t>
-            </a:r>
-            <a:r>
-              <a:rPr lang="en-US" dirty="0" smtClean="0">
-                <a:solidFill>
-                  <a:schemeClr val="tx1">
-                    <a:alpha val="46000"/>
-                  </a:schemeClr>
-                </a:solidFill>
-              </a:rPr>
-              <a:t>Flask</a:t>
-            </a:r>
-            <a:r>
-              <a:rPr lang="ru-RU" dirty="0">
-                <a:solidFill>
-                  <a:schemeClr val="tx1">
-                    <a:alpha val="46000"/>
-                  </a:schemeClr>
-                </a:solidFill>
-              </a:rPr>
-              <a:t>, который является одним из самых популярных </a:t>
-            </a:r>
-            <a:r>
-              <a:rPr lang="ru-RU" dirty="0" err="1">
-                <a:solidFill>
-                  <a:schemeClr val="tx1">
-                    <a:alpha val="46000"/>
-                  </a:schemeClr>
-                </a:solidFill>
-              </a:rPr>
-              <a:t>фреймворков</a:t>
-            </a:r>
-            <a:r>
-              <a:rPr lang="ru-RU" dirty="0">
-                <a:solidFill>
-                  <a:schemeClr val="tx1">
-                    <a:alpha val="46000"/>
-                  </a:schemeClr>
-                </a:solidFill>
-              </a:rPr>
-              <a:t> для создания веб-приложений на языке </a:t>
-            </a:r>
-            <a:r>
-              <a:rPr lang="ru-RU" dirty="0" err="1">
-                <a:solidFill>
-                  <a:schemeClr val="tx1">
-                    <a:alpha val="46000"/>
-                  </a:schemeClr>
-                </a:solidFill>
-              </a:rPr>
-              <a:t>Python</a:t>
-            </a:r>
-            <a:r>
-              <a:rPr lang="ru-RU" dirty="0">
-                <a:solidFill>
-                  <a:schemeClr val="tx1">
-                    <a:alpha val="46000"/>
-                  </a:schemeClr>
-                </a:solidFill>
-              </a:rPr>
-              <a:t>. </a:t>
-            </a:r>
-            <a:r>
-              <a:rPr lang="ru-RU" dirty="0" smtClean="0">
-                <a:solidFill>
-                  <a:schemeClr val="tx1">
-                    <a:alpha val="46000"/>
-                  </a:schemeClr>
-                </a:solidFill>
-              </a:rPr>
-              <a:t>В </a:t>
-            </a:r>
-            <a:r>
-              <a:rPr lang="ru-RU" dirty="0">
-                <a:solidFill>
-                  <a:schemeClr val="tx1">
-                    <a:alpha val="46000"/>
-                  </a:schemeClr>
-                </a:solidFill>
-              </a:rPr>
-              <a:t>проекте мы использовали </a:t>
-            </a:r>
-            <a:r>
-              <a:rPr lang="ru-RU" dirty="0" err="1">
-                <a:solidFill>
-                  <a:schemeClr val="tx1">
-                    <a:alpha val="46000"/>
-                  </a:schemeClr>
-                </a:solidFill>
-              </a:rPr>
-              <a:t>шаблонизатор</a:t>
-            </a:r>
-            <a:r>
-              <a:rPr lang="ru-RU" dirty="0">
-                <a:solidFill>
-                  <a:schemeClr val="tx1">
-                    <a:alpha val="46000"/>
-                  </a:schemeClr>
-                </a:solidFill>
-              </a:rPr>
-              <a:t> Jinja2 для создания динамических страниц, а также </a:t>
-            </a:r>
-            <a:r>
-              <a:rPr lang="ru-RU" dirty="0" err="1">
-                <a:solidFill>
-                  <a:schemeClr val="tx1">
-                    <a:alpha val="46000"/>
-                  </a:schemeClr>
-                </a:solidFill>
-              </a:rPr>
-              <a:t>SQLAlchemy</a:t>
-            </a:r>
-            <a:r>
-              <a:rPr lang="ru-RU" dirty="0">
-                <a:solidFill>
-                  <a:schemeClr val="tx1">
-                    <a:alpha val="46000"/>
-                  </a:schemeClr>
-                </a:solidFill>
-              </a:rPr>
-              <a:t> для работы с базами данных и </a:t>
-            </a:r>
-            <a:r>
-              <a:rPr lang="ru-RU" dirty="0" err="1">
-                <a:solidFill>
-                  <a:schemeClr val="tx1">
-                    <a:alpha val="46000"/>
-                  </a:schemeClr>
-                </a:solidFill>
-              </a:rPr>
-              <a:t>Flask</a:t>
-            </a:r>
-            <a:r>
-              <a:rPr lang="ru-RU" dirty="0">
-                <a:solidFill>
-                  <a:schemeClr val="tx1">
-                    <a:alpha val="46000"/>
-                  </a:schemeClr>
-                </a:solidFill>
-              </a:rPr>
-              <a:t>-WTF для создания форм. </a:t>
-            </a:r>
-            <a:r>
-              <a:rPr lang="ru-RU" dirty="0" err="1">
-                <a:solidFill>
-                  <a:schemeClr val="tx1">
-                    <a:alpha val="46000"/>
-                  </a:schemeClr>
-                </a:solidFill>
-              </a:rPr>
-              <a:t>Flask</a:t>
-            </a:r>
-            <a:r>
-              <a:rPr lang="ru-RU" dirty="0">
-                <a:solidFill>
-                  <a:schemeClr val="tx1">
-                    <a:alpha val="46000"/>
-                  </a:schemeClr>
-                </a:solidFill>
-              </a:rPr>
-              <a:t>-WTF позволяет упростить и автоматизировать процесс создания форм веб-приложений. Мы также использовали расширение </a:t>
-            </a:r>
-            <a:r>
-              <a:rPr lang="ru-RU" dirty="0" err="1">
-                <a:solidFill>
-                  <a:schemeClr val="tx1">
-                    <a:alpha val="46000"/>
-                  </a:schemeClr>
-                </a:solidFill>
-              </a:rPr>
-              <a:t>Flask-Login</a:t>
-            </a:r>
-            <a:r>
-              <a:rPr lang="ru-RU" dirty="0">
-                <a:solidFill>
-                  <a:schemeClr val="tx1">
-                    <a:alpha val="46000"/>
-                  </a:schemeClr>
-                </a:solidFill>
-              </a:rPr>
-              <a:t> для авторизации пользователей и управления доступом к различным функциям приложения. </a:t>
-            </a:r>
-            <a:r>
-              <a:rPr lang="ru-RU" dirty="0" err="1">
-                <a:solidFill>
-                  <a:schemeClr val="tx1">
-                    <a:alpha val="46000"/>
-                  </a:schemeClr>
-                </a:solidFill>
-              </a:rPr>
-              <a:t>Flask-Login</a:t>
-            </a:r>
-            <a:r>
-              <a:rPr lang="ru-RU" dirty="0">
-                <a:solidFill>
-                  <a:schemeClr val="tx1">
-                    <a:alpha val="46000"/>
-                  </a:schemeClr>
-                </a:solidFill>
-              </a:rPr>
-              <a:t> позволяет обеспечивать безопасность веб-приложений и защитить данные пользователей от несанкционированного </a:t>
-            </a:r>
-            <a:r>
-              <a:rPr lang="ru-RU" dirty="0" smtClean="0">
-                <a:solidFill>
-                  <a:schemeClr val="tx1">
-                    <a:alpha val="46000"/>
-                  </a:schemeClr>
-                </a:solidFill>
-              </a:rPr>
-              <a:t>доступа.</a:t>
-            </a:r>
-            <a:r>
-              <a:rPr lang="en-US" dirty="0" smtClean="0">
-                <a:solidFill>
-                  <a:schemeClr val="tx1">
-                    <a:alpha val="46000"/>
-                  </a:schemeClr>
-                </a:solidFill>
-              </a:rPr>
-              <a:t> </a:t>
-            </a:r>
-            <a:r>
-              <a:rPr lang="ru-RU" dirty="0" smtClean="0">
-                <a:solidFill>
-                  <a:schemeClr val="tx1">
-                    <a:alpha val="46000"/>
-                  </a:schemeClr>
-                </a:solidFill>
-              </a:rPr>
-              <a:t>В </a:t>
-            </a:r>
-            <a:r>
-              <a:rPr lang="ru-RU" dirty="0">
-                <a:solidFill>
-                  <a:schemeClr val="tx1">
-                    <a:alpha val="46000"/>
-                  </a:schemeClr>
-                </a:solidFill>
-              </a:rPr>
-              <a:t>целом, использование </a:t>
-            </a:r>
-            <a:r>
-              <a:rPr lang="ru-RU" dirty="0" err="1">
-                <a:solidFill>
-                  <a:schemeClr val="tx1">
-                    <a:alpha val="46000"/>
-                  </a:schemeClr>
-                </a:solidFill>
-              </a:rPr>
-              <a:t>фреймворка</a:t>
-            </a:r>
-            <a:r>
-              <a:rPr lang="ru-RU" dirty="0">
-                <a:solidFill>
-                  <a:schemeClr val="tx1">
-                    <a:alpha val="46000"/>
-                  </a:schemeClr>
-                </a:solidFill>
-              </a:rPr>
-              <a:t> </a:t>
-            </a:r>
-            <a:r>
-              <a:rPr lang="ru-RU" dirty="0" err="1">
-                <a:solidFill>
-                  <a:schemeClr val="tx1">
-                    <a:alpha val="46000"/>
-                  </a:schemeClr>
-                </a:solidFill>
-              </a:rPr>
-              <a:t>Flask</a:t>
-            </a:r>
-            <a:r>
-              <a:rPr lang="ru-RU" dirty="0">
-                <a:solidFill>
-                  <a:schemeClr val="tx1">
-                    <a:alpha val="46000"/>
-                  </a:schemeClr>
-                </a:solidFill>
-              </a:rPr>
-              <a:t> и соответствующих расширений позволило нам значительно ускорить процесс разработки приложения и создать качественный и надежный продукт.</a:t>
-            </a:r>
-          </a:p>
-          <a:p>
-            <a:endParaRPr lang="ru-RU" dirty="0"/>
-          </a:p>
-        </p:txBody>
-      </p:sp>
-      <p:sp>
-        <p:nvSpPr>
-          <p:cNvPr id="9" name="Дата 8"/>
-          <p:cNvSpPr>
-            <a:spLocks noGrp="1"/>
-          </p:cNvSpPr>
-          <p:nvPr>
-            <p:ph type="dt" sz="half" idx="2"/>
-          </p:nvPr>
-        </p:nvSpPr>
-        <p:spPr/>
-        <p:txBody>
-          <a:bodyPr/>
-          <a:lstStyle/>
-          <a:p>
-            <a:pPr rtl="0"/>
-            <a:r>
-              <a:rPr lang="ru-RU" noProof="0" smtClean="0"/>
-              <a:t>02.02.20ГГ</a:t>
-            </a:r>
-            <a:endParaRPr lang="ru-RU" noProof="0"/>
-          </a:p>
-        </p:txBody>
-      </p:sp>
-      <p:sp>
-        <p:nvSpPr>
-          <p:cNvPr id="10" name="Нижний колонтитул 9"/>
-          <p:cNvSpPr>
-            <a:spLocks noGrp="1"/>
-          </p:cNvSpPr>
-          <p:nvPr>
-            <p:ph type="ftr" sz="quarter" idx="3"/>
-          </p:nvPr>
-        </p:nvSpPr>
-        <p:spPr/>
-        <p:txBody>
-          <a:bodyPr/>
-          <a:lstStyle/>
-          <a:p>
-            <a:pPr rtl="0"/>
-            <a:r>
-              <a:rPr lang="ru-RU" spc="200" noProof="0" smtClean="0"/>
-              <a:t>ЗАГОЛОВОК ПРЕЗЕНТАЦИИ</a:t>
-            </a:r>
-            <a:endParaRPr lang="ru-RU" spc="200" noProof="0"/>
           </a:p>
         </p:txBody>
       </p:sp>
@@ -10169,6 +10109,328 @@
           </a:p>
         </p:txBody>
       </p:sp>
+      <p:sp>
+        <p:nvSpPr>
+          <p:cNvPr id="7" name="Объект 10">
+            <a:extLst>
+              <a:ext uri="{FF2B5EF4-FFF2-40B4-BE49-F238E27FC236}">
+                <a16:creationId xmlns:a16="http://schemas.microsoft.com/office/drawing/2014/main" id="{BB18D5FD-2732-4BBE-712B-D92CB0910D14}"/>
+              </a:ext>
+            </a:extLst>
+          </p:cNvPr>
+          <p:cNvSpPr txBox="1">
+            <a:spLocks/>
+          </p:cNvSpPr>
+          <p:nvPr/>
+        </p:nvSpPr>
+        <p:spPr>
+          <a:xfrm>
+            <a:off x="780426" y="1770256"/>
+            <a:ext cx="5734051" cy="4566149"/>
+          </a:xfrm>
+          <a:prstGeom prst="rect">
+            <a:avLst/>
+          </a:prstGeom>
+        </p:spPr>
+        <p:txBody>
+          <a:bodyPr rtlCol="0">
+            <a:normAutofit lnSpcReduction="10000"/>
+          </a:bodyPr>
+          <a:lstStyle>
+            <a:lvl1pPr marL="342900" indent="-342900" algn="l" defTabSz="914400" rtl="0" eaLnBrk="1" latinLnBrk="0" hangingPunct="1">
+              <a:spcBef>
+                <a:spcPct val="20000"/>
+              </a:spcBef>
+              <a:buFont typeface="Arial" panose="020B0604020202020204" pitchFamily="34" charset="0"/>
+              <a:buChar char="•"/>
+              <a:defRPr sz="3200" kern="1200">
+                <a:solidFill>
+                  <a:schemeClr val="tx1"/>
+                </a:solidFill>
+                <a:latin typeface="+mn-lt"/>
+                <a:ea typeface="+mn-ea"/>
+                <a:cs typeface="+mn-cs"/>
+              </a:defRPr>
+            </a:lvl1pPr>
+            <a:lvl2pPr marL="742950" indent="-285750" algn="l" defTabSz="914400" rtl="0" eaLnBrk="1" latinLnBrk="0" hangingPunct="1">
+              <a:spcBef>
+                <a:spcPct val="20000"/>
+              </a:spcBef>
+              <a:buFont typeface="Arial" panose="020B0604020202020204" pitchFamily="34" charset="0"/>
+              <a:buChar char="–"/>
+              <a:defRPr sz="2800" kern="1200">
+                <a:solidFill>
+                  <a:schemeClr val="tx1"/>
+                </a:solidFill>
+                <a:latin typeface="+mn-lt"/>
+                <a:ea typeface="+mn-ea"/>
+                <a:cs typeface="+mn-cs"/>
+              </a:defRPr>
+            </a:lvl2pPr>
+            <a:lvl3pPr marL="1143000" indent="-228600" algn="l" defTabSz="914400" rtl="0" eaLnBrk="1" latinLnBrk="0" hangingPunct="1">
+              <a:spcBef>
+                <a:spcPct val="20000"/>
+              </a:spcBef>
+              <a:buFont typeface="Arial" panose="020B0604020202020204" pitchFamily="34" charset="0"/>
+              <a:buChar char="•"/>
+              <a:defRPr sz="2400" kern="1200">
+                <a:solidFill>
+                  <a:schemeClr val="tx1"/>
+                </a:solidFill>
+                <a:latin typeface="+mn-lt"/>
+                <a:ea typeface="+mn-ea"/>
+                <a:cs typeface="+mn-cs"/>
+              </a:defRPr>
+            </a:lvl3pPr>
+            <a:lvl4pPr marL="1600200" indent="-228600" algn="l" defTabSz="914400" rtl="0" eaLnBrk="1" latinLnBrk="0" hangingPunct="1">
+              <a:spcBef>
+                <a:spcPct val="20000"/>
+              </a:spcBef>
+              <a:buFont typeface="Arial" panose="020B0604020202020204" pitchFamily="34" charset="0"/>
+              <a:buChar char="–"/>
+              <a:defRPr sz="2000" kern="1200">
+                <a:solidFill>
+                  <a:schemeClr val="tx1"/>
+                </a:solidFill>
+                <a:latin typeface="+mn-lt"/>
+                <a:ea typeface="+mn-ea"/>
+                <a:cs typeface="+mn-cs"/>
+              </a:defRPr>
+            </a:lvl4pPr>
+            <a:lvl5pPr marL="2057400" indent="-228600" algn="l" defTabSz="914400" rtl="0" eaLnBrk="1" latinLnBrk="0" hangingPunct="1">
+              <a:spcBef>
+                <a:spcPct val="20000"/>
+              </a:spcBef>
+              <a:buFont typeface="Arial" panose="020B0604020202020204" pitchFamily="34" charset="0"/>
+              <a:buChar char="»"/>
+              <a:defRPr sz="2000" kern="1200">
+                <a:solidFill>
+                  <a:schemeClr val="tx1"/>
+                </a:solidFill>
+                <a:latin typeface="+mn-lt"/>
+                <a:ea typeface="+mn-ea"/>
+                <a:cs typeface="+mn-cs"/>
+              </a:defRPr>
+            </a:lvl5pPr>
+            <a:lvl6pPr marL="2514600" indent="-228600" algn="l" defTabSz="914400" rtl="0" eaLnBrk="1" latinLnBrk="0" hangingPunct="1">
+              <a:spcBef>
+                <a:spcPct val="20000"/>
+              </a:spcBef>
+              <a:buFont typeface="Arial" panose="020B0604020202020204" pitchFamily="34" charset="0"/>
+              <a:buChar char="•"/>
+              <a:defRPr sz="2000" kern="1200">
+                <a:solidFill>
+                  <a:schemeClr val="tx1"/>
+                </a:solidFill>
+                <a:latin typeface="+mn-lt"/>
+                <a:ea typeface="+mn-ea"/>
+                <a:cs typeface="+mn-cs"/>
+              </a:defRPr>
+            </a:lvl6pPr>
+            <a:lvl7pPr marL="2971800" indent="-228600" algn="l" defTabSz="914400" rtl="0" eaLnBrk="1" latinLnBrk="0" hangingPunct="1">
+              <a:spcBef>
+                <a:spcPct val="20000"/>
+              </a:spcBef>
+              <a:buFont typeface="Arial" panose="020B0604020202020204" pitchFamily="34" charset="0"/>
+              <a:buChar char="•"/>
+              <a:defRPr sz="2000" kern="1200">
+                <a:solidFill>
+                  <a:schemeClr val="tx1"/>
+                </a:solidFill>
+                <a:latin typeface="+mn-lt"/>
+                <a:ea typeface="+mn-ea"/>
+                <a:cs typeface="+mn-cs"/>
+              </a:defRPr>
+            </a:lvl7pPr>
+            <a:lvl8pPr marL="3429000" indent="-228600" algn="l" defTabSz="914400" rtl="0" eaLnBrk="1" latinLnBrk="0" hangingPunct="1">
+              <a:spcBef>
+                <a:spcPct val="20000"/>
+              </a:spcBef>
+              <a:buFont typeface="Arial" panose="020B0604020202020204" pitchFamily="34" charset="0"/>
+              <a:buChar char="•"/>
+              <a:defRPr sz="2000" kern="1200">
+                <a:solidFill>
+                  <a:schemeClr val="tx1"/>
+                </a:solidFill>
+                <a:latin typeface="+mn-lt"/>
+                <a:ea typeface="+mn-ea"/>
+                <a:cs typeface="+mn-cs"/>
+              </a:defRPr>
+            </a:lvl8pPr>
+            <a:lvl9pPr marL="3886200" indent="-228600" algn="l" defTabSz="914400" rtl="0" eaLnBrk="1" latinLnBrk="0" hangingPunct="1">
+              <a:spcBef>
+                <a:spcPct val="20000"/>
+              </a:spcBef>
+              <a:buFont typeface="Arial" panose="020B0604020202020204" pitchFamily="34" charset="0"/>
+              <a:buChar char="•"/>
+              <a:defRPr sz="2000" kern="1200">
+                <a:solidFill>
+                  <a:schemeClr val="tx1"/>
+                </a:solidFill>
+                <a:latin typeface="+mn-lt"/>
+                <a:ea typeface="+mn-ea"/>
+                <a:cs typeface="+mn-cs"/>
+              </a:defRPr>
+            </a:lvl9pPr>
+          </a:lstStyle>
+          <a:p>
+            <a:pPr marL="0" indent="0">
+              <a:buNone/>
+            </a:pPr>
+            <a:r>
+              <a:rPr lang="ru-RU" sz="2800" b="0" i="0" dirty="0" err="1">
+                <a:solidFill>
+                  <a:schemeClr val="tx1">
+                    <a:lumMod val="95000"/>
+                    <a:lumOff val="5000"/>
+                  </a:schemeClr>
+                </a:solidFill>
+                <a:effectLst/>
+              </a:rPr>
+              <a:t>Flask</a:t>
+            </a:r>
+            <a:r>
+              <a:rPr lang="ru-RU" sz="2800" b="0" i="0" dirty="0">
+                <a:solidFill>
+                  <a:schemeClr val="tx1">
+                    <a:lumMod val="95000"/>
+                    <a:lumOff val="5000"/>
+                  </a:schemeClr>
+                </a:solidFill>
+                <a:effectLst/>
+              </a:rPr>
+              <a:t> — фреймворк для создания веб-приложений на языке программирования Python, использующий набор инструментов </a:t>
+            </a:r>
+            <a:r>
+              <a:rPr lang="ru-RU" sz="2800" b="0" i="0" dirty="0" err="1">
+                <a:solidFill>
+                  <a:schemeClr val="tx1">
+                    <a:lumMod val="95000"/>
+                    <a:lumOff val="5000"/>
+                  </a:schemeClr>
+                </a:solidFill>
+                <a:effectLst/>
+              </a:rPr>
+              <a:t>Werkzeug</a:t>
+            </a:r>
+            <a:r>
+              <a:rPr lang="ru-RU" sz="2800" b="0" i="0" dirty="0">
+                <a:solidFill>
+                  <a:schemeClr val="tx1">
+                    <a:lumMod val="95000"/>
+                    <a:lumOff val="5000"/>
+                  </a:schemeClr>
+                </a:solidFill>
+                <a:effectLst/>
+              </a:rPr>
+              <a:t>, а также </a:t>
+            </a:r>
+            <a:r>
+              <a:rPr lang="ru-RU" sz="2800" b="0" i="0" dirty="0" err="1">
+                <a:solidFill>
+                  <a:schemeClr val="tx1">
+                    <a:lumMod val="95000"/>
+                    <a:lumOff val="5000"/>
+                  </a:schemeClr>
+                </a:solidFill>
+                <a:effectLst/>
+              </a:rPr>
+              <a:t>шаблонизатор</a:t>
+            </a:r>
+            <a:r>
+              <a:rPr lang="ru-RU" sz="2800" b="0" i="0" dirty="0">
+                <a:solidFill>
+                  <a:schemeClr val="tx1">
+                    <a:lumMod val="95000"/>
+                    <a:lumOff val="5000"/>
+                  </a:schemeClr>
+                </a:solidFill>
+                <a:effectLst/>
+              </a:rPr>
+              <a:t> Jinja2. Относится к категории так называемых </a:t>
+            </a:r>
+            <a:r>
+              <a:rPr lang="ru-RU" sz="2800" b="0" i="0" dirty="0" err="1">
+                <a:solidFill>
+                  <a:schemeClr val="tx1">
+                    <a:lumMod val="95000"/>
+                    <a:lumOff val="5000"/>
+                  </a:schemeClr>
+                </a:solidFill>
+                <a:effectLst/>
+              </a:rPr>
+              <a:t>микрофреймворков</a:t>
+            </a:r>
+            <a:r>
+              <a:rPr lang="ru-RU" sz="2800" b="0" i="0" dirty="0">
+                <a:solidFill>
+                  <a:schemeClr val="tx1">
+                    <a:lumMod val="95000"/>
+                    <a:lumOff val="5000"/>
+                  </a:schemeClr>
+                </a:solidFill>
+                <a:effectLst/>
+              </a:rPr>
+              <a:t> — минималистичных каркасов веб-приложений, сознательно предоставляющих лишь самые базовые возможности.</a:t>
+            </a:r>
+            <a:endParaRPr lang="ru-RU" sz="4400" dirty="0">
+              <a:solidFill>
+                <a:schemeClr val="tx1">
+                  <a:lumMod val="95000"/>
+                  <a:lumOff val="5000"/>
+                </a:schemeClr>
+              </a:solidFill>
+            </a:endParaRPr>
+          </a:p>
+        </p:txBody>
+      </p:sp>
+      <p:pic>
+        <p:nvPicPr>
+          <p:cNvPr id="3074" name="Picture 2" descr="Flask Logo PNG Transparent &amp; SVG Vector - Freebie Supply">
+            <a:extLst>
+              <a:ext uri="{FF2B5EF4-FFF2-40B4-BE49-F238E27FC236}">
+                <a16:creationId xmlns:a16="http://schemas.microsoft.com/office/drawing/2014/main" id="{75F018DD-12C0-9D55-B72D-34F482BA9A85}"/>
+              </a:ext>
+            </a:extLst>
+          </p:cNvPr>
+          <p:cNvPicPr>
+            <a:picLocks noChangeAspect="1" noChangeArrowheads="1"/>
+          </p:cNvPicPr>
+          <p:nvPr/>
+        </p:nvPicPr>
+        <p:blipFill>
+          <a:blip r:embed="rId2">
+            <a:extLst>
+              <a:ext uri="{28A0092B-C50C-407E-A947-70E740481C1C}">
+                <a14:useLocalDpi xmlns:a14="http://schemas.microsoft.com/office/drawing/2010/main" val="0"/>
+              </a:ext>
+            </a:extLst>
+          </a:blip>
+          <a:srcRect/>
+          <a:stretch>
+            <a:fillRect/>
+          </a:stretch>
+        </p:blipFill>
+        <p:spPr bwMode="auto">
+          <a:xfrm>
+            <a:off x="6514478" y="1896414"/>
+            <a:ext cx="5401324" cy="4050993"/>
+          </a:xfrm>
+          <a:prstGeom prst="rect">
+            <a:avLst/>
+          </a:prstGeom>
+          <a:noFill/>
+          <a:extLst>
+            <a:ext uri="{909E8E84-426E-40DD-AFC4-6F175D3DCCD1}">
+              <a14:hiddenFill xmlns:a14="http://schemas.microsoft.com/office/drawing/2010/main">
+                <a:solidFill>
+                  <a:srgbClr val="FFFFFF"/>
+                </a:solidFill>
+              </a14:hiddenFill>
+            </a:ext>
+          </a:extLst>
+        </p:spPr>
+      </p:pic>
     </p:spTree>
     <p:extLst>
       <p:ext uri="{BB962C8B-B14F-4D97-AF65-F5344CB8AC3E}">
@@ -10204,7 +10466,7 @@
           <p:cNvPr id="2" name="Заголовок 1">
             <a:extLst>
               <a:ext uri="{FF2B5EF4-FFF2-40B4-BE49-F238E27FC236}">
-                <a16:creationId xmlns:a16="http://schemas.microsoft.com/office/drawing/2014/main" xmlns="" id="{D2C4329B-EBDF-2C9B-52EC-7F922228113A}"/>
+                <a16:creationId xmlns:a16="http://schemas.microsoft.com/office/drawing/2014/main" id="{D2C4329B-EBDF-2C9B-52EC-7F922228113A}"/>
               </a:ext>
             </a:extLst>
           </p:cNvPr>
@@ -10232,7 +10494,7 @@
           <p:cNvPr id="7" name="Номер слайда 6">
             <a:extLst>
               <a:ext uri="{FF2B5EF4-FFF2-40B4-BE49-F238E27FC236}">
-                <a16:creationId xmlns:a16="http://schemas.microsoft.com/office/drawing/2014/main" xmlns="" id="{69EB0EF4-86E0-E614-9A1A-6BA98C788D90}"/>
+                <a16:creationId xmlns:a16="http://schemas.microsoft.com/office/drawing/2014/main" id="{69EB0EF4-86E0-E614-9A1A-6BA98C788D90}"/>
               </a:ext>
             </a:extLst>
           </p:cNvPr>
@@ -10263,7 +10525,7 @@
           <p:cNvPr id="14" name="Рисунок 13">
             <a:extLst>
               <a:ext uri="{FF2B5EF4-FFF2-40B4-BE49-F238E27FC236}">
-                <a16:creationId xmlns:a16="http://schemas.microsoft.com/office/drawing/2014/main" xmlns="" id="{88982A0F-1563-81FE-A433-ED37945CADEB}"/>
+                <a16:creationId xmlns:a16="http://schemas.microsoft.com/office/drawing/2014/main" id="{88982A0F-1563-81FE-A433-ED37945CADEB}"/>
               </a:ext>
             </a:extLst>
           </p:cNvPr>
@@ -10293,7 +10555,7 @@
           <p:cNvPr id="16" name="Рисунок 15">
             <a:extLst>
               <a:ext uri="{FF2B5EF4-FFF2-40B4-BE49-F238E27FC236}">
-                <a16:creationId xmlns:a16="http://schemas.microsoft.com/office/drawing/2014/main" xmlns="" id="{F9539FD6-8BF7-9386-B6FB-9BD79C05B123}"/>
+                <a16:creationId xmlns:a16="http://schemas.microsoft.com/office/drawing/2014/main" id="{F9539FD6-8BF7-9386-B6FB-9BD79C05B123}"/>
               </a:ext>
             </a:extLst>
           </p:cNvPr>
@@ -10353,7 +10615,7 @@
           <p:cNvPr id="2" name="Заголовок 1">
             <a:extLst>
               <a:ext uri="{FF2B5EF4-FFF2-40B4-BE49-F238E27FC236}">
-                <a16:creationId xmlns:a16="http://schemas.microsoft.com/office/drawing/2014/main" xmlns="" id="{D2C4329B-EBDF-2C9B-52EC-7F922228113A}"/>
+                <a16:creationId xmlns:a16="http://schemas.microsoft.com/office/drawing/2014/main" id="{D2C4329B-EBDF-2C9B-52EC-7F922228113A}"/>
               </a:ext>
             </a:extLst>
           </p:cNvPr>
@@ -10381,7 +10643,7 @@
           <p:cNvPr id="7" name="Номер слайда 6">
             <a:extLst>
               <a:ext uri="{FF2B5EF4-FFF2-40B4-BE49-F238E27FC236}">
-                <a16:creationId xmlns:a16="http://schemas.microsoft.com/office/drawing/2014/main" xmlns="" id="{69EB0EF4-86E0-E614-9A1A-6BA98C788D90}"/>
+                <a16:creationId xmlns:a16="http://schemas.microsoft.com/office/drawing/2014/main" id="{69EB0EF4-86E0-E614-9A1A-6BA98C788D90}"/>
               </a:ext>
             </a:extLst>
           </p:cNvPr>
@@ -10412,7 +10674,7 @@
           <p:cNvPr id="8" name="Рисунок 7">
             <a:extLst>
               <a:ext uri="{FF2B5EF4-FFF2-40B4-BE49-F238E27FC236}">
-                <a16:creationId xmlns:a16="http://schemas.microsoft.com/office/drawing/2014/main" xmlns="" id="{783C8DFF-C35E-9904-9AD1-A933F0383B80}"/>
+                <a16:creationId xmlns:a16="http://schemas.microsoft.com/office/drawing/2014/main" id="{783C8DFF-C35E-9904-9AD1-A933F0383B80}"/>
               </a:ext>
             </a:extLst>
           </p:cNvPr>
@@ -10435,6 +10697,11 @@
           <a:prstGeom prst="rect">
             <a:avLst/>
           </a:prstGeom>
+          <a:ln>
+            <a:solidFill>
+              <a:schemeClr val="tx1"/>
+            </a:solidFill>
+          </a:ln>
         </p:spPr>
       </p:pic>
       <p:pic>
@@ -10442,7 +10709,7 @@
           <p:cNvPr id="10" name="Рисунок 9">
             <a:extLst>
               <a:ext uri="{FF2B5EF4-FFF2-40B4-BE49-F238E27FC236}">
-                <a16:creationId xmlns:a16="http://schemas.microsoft.com/office/drawing/2014/main" xmlns="" id="{98E933CB-50D5-475E-53E3-25E7216693E1}"/>
+                <a16:creationId xmlns:a16="http://schemas.microsoft.com/office/drawing/2014/main" id="{98E933CB-50D5-475E-53E3-25E7216693E1}"/>
               </a:ext>
             </a:extLst>
           </p:cNvPr>
@@ -10465,6 +10732,11 @@
           <a:prstGeom prst="rect">
             <a:avLst/>
           </a:prstGeom>
+          <a:ln>
+            <a:solidFill>
+              <a:schemeClr val="tx1"/>
+            </a:solidFill>
+          </a:ln>
         </p:spPr>
       </p:pic>
       <p:pic>
@@ -10472,7 +10744,7 @@
           <p:cNvPr id="12" name="Рисунок 11">
             <a:extLst>
               <a:ext uri="{FF2B5EF4-FFF2-40B4-BE49-F238E27FC236}">
-                <a16:creationId xmlns:a16="http://schemas.microsoft.com/office/drawing/2014/main" xmlns="" id="{BA4791A6-667F-DE94-DAEE-D1FC72C42509}"/>
+                <a16:creationId xmlns:a16="http://schemas.microsoft.com/office/drawing/2014/main" id="{BA4791A6-667F-DE94-DAEE-D1FC72C42509}"/>
               </a:ext>
             </a:extLst>
           </p:cNvPr>
@@ -10495,6 +10767,11 @@
           <a:prstGeom prst="rect">
             <a:avLst/>
           </a:prstGeom>
+          <a:ln>
+            <a:solidFill>
+              <a:schemeClr val="tx1"/>
+            </a:solidFill>
+          </a:ln>
         </p:spPr>
       </p:pic>
     </p:spTree>
@@ -10532,7 +10809,7 @@
           <p:cNvPr id="2" name="Заголовок 1">
             <a:extLst>
               <a:ext uri="{FF2B5EF4-FFF2-40B4-BE49-F238E27FC236}">
-                <a16:creationId xmlns:a16="http://schemas.microsoft.com/office/drawing/2014/main" xmlns="" id="{D2C4329B-EBDF-2C9B-52EC-7F922228113A}"/>
+                <a16:creationId xmlns:a16="http://schemas.microsoft.com/office/drawing/2014/main" id="{D2C4329B-EBDF-2C9B-52EC-7F922228113A}"/>
               </a:ext>
             </a:extLst>
           </p:cNvPr>
@@ -10560,7 +10837,7 @@
           <p:cNvPr id="7" name="Номер слайда 6">
             <a:extLst>
               <a:ext uri="{FF2B5EF4-FFF2-40B4-BE49-F238E27FC236}">
-                <a16:creationId xmlns:a16="http://schemas.microsoft.com/office/drawing/2014/main" xmlns="" id="{69EB0EF4-86E0-E614-9A1A-6BA98C788D90}"/>
+                <a16:creationId xmlns:a16="http://schemas.microsoft.com/office/drawing/2014/main" id="{69EB0EF4-86E0-E614-9A1A-6BA98C788D90}"/>
               </a:ext>
             </a:extLst>
           </p:cNvPr>
@@ -10588,10 +10865,10 @@
       </p:sp>
       <p:pic>
         <p:nvPicPr>
-          <p:cNvPr id="4" name="Рисунок 3">
-            <a:extLst>
-              <a:ext uri="{FF2B5EF4-FFF2-40B4-BE49-F238E27FC236}">
-                <a16:creationId xmlns:a16="http://schemas.microsoft.com/office/drawing/2014/main" xmlns="" id="{223D1FF2-211C-C3CE-DEAD-0531F9B015E4}"/>
+          <p:cNvPr id="6" name="Рисунок 5">
+            <a:extLst>
+              <a:ext uri="{FF2B5EF4-FFF2-40B4-BE49-F238E27FC236}">
+                <a16:creationId xmlns:a16="http://schemas.microsoft.com/office/drawing/2014/main" id="{89940586-CB72-6ED5-58B0-85697388C068}"/>
               </a:ext>
             </a:extLst>
           </p:cNvPr>
@@ -10608,20 +10885,25 @@
         </p:blipFill>
         <p:spPr>
           <a:xfrm>
-            <a:off x="691904" y="2264452"/>
-            <a:ext cx="4944347" cy="2874207"/>
+            <a:off x="6837995" y="819000"/>
+            <a:ext cx="4493182" cy="4135856"/>
           </a:xfrm>
           <a:prstGeom prst="rect">
             <a:avLst/>
           </a:prstGeom>
+          <a:ln>
+            <a:solidFill>
+              <a:schemeClr val="tx1"/>
+            </a:solidFill>
+          </a:ln>
         </p:spPr>
       </p:pic>
       <p:pic>
         <p:nvPicPr>
-          <p:cNvPr id="11" name="Рисунок 10">
-            <a:extLst>
-              <a:ext uri="{FF2B5EF4-FFF2-40B4-BE49-F238E27FC236}">
-                <a16:creationId xmlns:a16="http://schemas.microsoft.com/office/drawing/2014/main" xmlns="" id="{0C6FE0FF-E8A1-1BF7-D5B4-8E106BF2806A}"/>
+          <p:cNvPr id="9" name="Рисунок 8">
+            <a:extLst>
+              <a:ext uri="{FF2B5EF4-FFF2-40B4-BE49-F238E27FC236}">
+                <a16:creationId xmlns:a16="http://schemas.microsoft.com/office/drawing/2014/main" id="{11D70833-30FF-0420-672A-CB819A946AB0}"/>
               </a:ext>
             </a:extLst>
           </p:cNvPr>
@@ -10630,19 +10912,25 @@
           </p:cNvPicPr>
           <p:nvPr/>
         </p:nvPicPr>
-        <p:blipFill rotWithShape="1">
+        <p:blipFill>
           <a:blip r:embed="rId3"/>
-          <a:srcRect r="60700"/>
-          <a:stretch/>
+          <a:stretch>
+            <a:fillRect/>
+          </a:stretch>
         </p:blipFill>
         <p:spPr>
           <a:xfrm>
-            <a:off x="6852815" y="554793"/>
-            <a:ext cx="4223270" cy="3102807"/>
+            <a:off x="448055" y="1942685"/>
+            <a:ext cx="5917734" cy="4462687"/>
           </a:xfrm>
           <a:prstGeom prst="rect">
             <a:avLst/>
           </a:prstGeom>
+          <a:ln>
+            <a:solidFill>
+              <a:schemeClr val="tx1"/>
+            </a:solidFill>
+          </a:ln>
         </p:spPr>
       </p:pic>
     </p:spTree>
@@ -10680,7 +10968,7 @@
           <p:cNvPr id="8" name="Заголовок 7">
             <a:extLst>
               <a:ext uri="{FF2B5EF4-FFF2-40B4-BE49-F238E27FC236}">
-                <a16:creationId xmlns:a16="http://schemas.microsoft.com/office/drawing/2014/main" xmlns="" id="{319A5A35-6EED-4F7C-B6D6-4C6AC9E334FD}"/>
+                <a16:creationId xmlns:a16="http://schemas.microsoft.com/office/drawing/2014/main" id="{319A5A35-6EED-4F7C-B6D6-4C6AC9E334FD}"/>
               </a:ext>
             </a:extLst>
           </p:cNvPr>
@@ -10714,7 +11002,7 @@
           <p:cNvPr id="9" name="Объект 8">
             <a:extLst>
               <a:ext uri="{FF2B5EF4-FFF2-40B4-BE49-F238E27FC236}">
-                <a16:creationId xmlns:a16="http://schemas.microsoft.com/office/drawing/2014/main" xmlns="" id="{F2CA6E79-6E12-4C7A-88B7-DDB611B87314}"/>
+                <a16:creationId xmlns:a16="http://schemas.microsoft.com/office/drawing/2014/main" id="{F2CA6E79-6E12-4C7A-88B7-DDB611B87314}"/>
               </a:ext>
             </a:extLst>
           </p:cNvPr>
@@ -10727,16 +11015,20 @@
         </p:nvSpPr>
         <p:spPr>
           <a:xfrm>
-            <a:off x="448055" y="2326441"/>
-            <a:ext cx="10493748" cy="3624359"/>
+            <a:off x="448055" y="2365237"/>
+            <a:ext cx="8245184" cy="3624359"/>
           </a:xfrm>
         </p:spPr>
         <p:txBody>
           <a:bodyPr rtlCol="0">
-            <a:normAutofit fontScale="92500" lnSpcReduction="20000"/>
+            <a:normAutofit fontScale="70000" lnSpcReduction="20000"/>
           </a:bodyPr>
           <a:lstStyle/>
           <a:p>
+            <a:pPr marL="459144" indent="-457200">
+              <a:buFont typeface="Arial" panose="020B0604020202020204" pitchFamily="34" charset="0"/>
+              <a:buChar char="•"/>
+            </a:pPr>
             <a:r>
               <a:rPr lang="ru-RU" dirty="0"/>
               <a:t>Проект на </a:t>
@@ -10747,15 +11039,37 @@
             </a:r>
             <a:r>
               <a:rPr lang="ru-RU" dirty="0"/>
-              <a:t> успешно разработан и готов к использованию. Были созданы различные страницы, реализована загрузка и сохранение файлов, </a:t>
-            </a:r>
-            <a:r>
-              <a:rPr lang="ru-RU" dirty="0" err="1"/>
-              <a:t>валидация</a:t>
-            </a:r>
+              <a:t> успешно разработан и готов к использованию. </a:t>
+            </a:r>
+          </a:p>
+          <a:p>
+            <a:pPr marL="459144" indent="-457200">
+              <a:buFont typeface="Arial" panose="020B0604020202020204" pitchFamily="34" charset="0"/>
+              <a:buChar char="•"/>
+            </a:pPr>
             <a:r>
               <a:rPr lang="ru-RU" dirty="0"/>
-              <a:t> данных, использование базы данных. Приложение имеет привлекательный и удобный интерфейс, а также хороший функционал, который может быть доработан и расширен в дальнейшем. Общий итог проекта на </a:t>
+              <a:t>Были созданы различные страницы, реализована загрузка и сохранение файлов, валидация данных, использование базы данных. </a:t>
+            </a:r>
+          </a:p>
+          <a:p>
+            <a:pPr marL="459144" indent="-457200">
+              <a:buFont typeface="Arial" panose="020B0604020202020204" pitchFamily="34" charset="0"/>
+              <a:buChar char="•"/>
+            </a:pPr>
+            <a:r>
+              <a:rPr lang="ru-RU" dirty="0"/>
+              <a:t>Приложение имеет привлекательный и удобный интерфейс, а также хороший функционал, который может быть доработан и расширен в дальнейшем. </a:t>
+            </a:r>
+          </a:p>
+          <a:p>
+            <a:pPr marL="459144" indent="-457200">
+              <a:buFont typeface="Arial" panose="020B0604020202020204" pitchFamily="34" charset="0"/>
+              <a:buChar char="•"/>
+            </a:pPr>
+            <a:r>
+              <a:rPr lang="ru-RU" dirty="0"/>
+              <a:t>Общий итог проекта на </a:t>
             </a:r>
             <a:r>
               <a:rPr lang="ru-RU" dirty="0" err="1"/>
@@ -10765,7 +11079,6 @@
               <a:rPr lang="ru-RU" dirty="0"/>
               <a:t> - успешная реализация задачи, которая решает проблемы пользователя и может быть использована на практике.</a:t>
             </a:r>
-            <a:endParaRPr lang="ru-RU" dirty="0"/>
           </a:p>
         </p:txBody>
       </p:sp>
@@ -10774,7 +11087,7 @@
           <p:cNvPr id="4" name="Номер слайда 3">
             <a:extLst>
               <a:ext uri="{FF2B5EF4-FFF2-40B4-BE49-F238E27FC236}">
-                <a16:creationId xmlns:a16="http://schemas.microsoft.com/office/drawing/2014/main" xmlns="" id="{E10AE281-2C4F-4364-9E31-75CFEAA3425D}"/>
+                <a16:creationId xmlns:a16="http://schemas.microsoft.com/office/drawing/2014/main" id="{E10AE281-2C4F-4364-9E31-75CFEAA3425D}"/>
               </a:ext>
             </a:extLst>
           </p:cNvPr>
@@ -10800,6 +11113,53 @@
           </a:p>
         </p:txBody>
       </p:sp>
+      <p:pic>
+        <p:nvPicPr>
+          <p:cNvPr id="4098" name="Picture 2" descr="значок галочки для вашего проекта PNG , значки галочки ...">
+            <a:extLst>
+              <a:ext uri="{FF2B5EF4-FFF2-40B4-BE49-F238E27FC236}">
+                <a16:creationId xmlns:a16="http://schemas.microsoft.com/office/drawing/2014/main" id="{CEB9B12E-6F21-CDBC-CF50-E090F5481163}"/>
+              </a:ext>
+            </a:extLst>
+          </p:cNvPr>
+          <p:cNvPicPr>
+            <a:picLocks noChangeAspect="1" noChangeArrowheads="1"/>
+          </p:cNvPicPr>
+          <p:nvPr/>
+        </p:nvPicPr>
+        <p:blipFill>
+          <a:blip r:embed="rId3">
+            <a:extLst>
+              <a:ext uri="{28A0092B-C50C-407E-A947-70E740481C1C}">
+                <a14:useLocalDpi xmlns:a14="http://schemas.microsoft.com/office/drawing/2010/main" val="0"/>
+              </a:ext>
+            </a:extLst>
+          </a:blip>
+          <a:srcRect/>
+          <a:stretch>
+            <a:fillRect/>
+          </a:stretch>
+        </p:blipFill>
+        <p:spPr bwMode="auto">
+          <a:xfrm>
+            <a:off x="8693239" y="2443430"/>
+            <a:ext cx="3115142" cy="3115142"/>
+          </a:xfrm>
+          <a:prstGeom prst="rect">
+            <a:avLst/>
+          </a:prstGeom>
+          <a:noFill/>
+          <a:extLst>
+            <a:ext uri="{909E8E84-426E-40DD-AFC4-6F175D3DCCD1}">
+              <a14:hiddenFill xmlns:a14="http://schemas.microsoft.com/office/drawing/2010/main">
+                <a:solidFill>
+                  <a:srgbClr val="FFFFFF"/>
+                </a:solidFill>
+              </a14:hiddenFill>
+            </a:ext>
+          </a:extLst>
+        </p:spPr>
+      </p:pic>
     </p:spTree>
     <p:extLst>
       <p:ext uri="{BB962C8B-B14F-4D97-AF65-F5344CB8AC3E}">
@@ -11387,7 +11747,7 @@
   <a:extraClrSchemeLst/>
   <a:extLst>
     <a:ext uri="{05A4C25C-085E-4340-85A3-A5531E510DB2}">
-      <thm15:themeFamily xmlns:thm15="http://schemas.microsoft.com/office/thememl/2012/main" xmlns="" name="Office Theme" id="{62F939B6-93AF-4DB8-9C6B-D6C7DFDC589F}" vid="{4A3C46E8-61CC-4603-A589-7422A47A8E4A}"/>
+      <thm15:themeFamily xmlns:thm15="http://schemas.microsoft.com/office/thememl/2012/main" name="Office Theme" id="{62F939B6-93AF-4DB8-9C6B-D6C7DFDC589F}" vid="{4A3C46E8-61CC-4603-A589-7422A47A8E4A}"/>
     </a:ext>
   </a:extLst>
 </a:theme>
@@ -11682,13 +12042,41 @@
   <a:extraClrSchemeLst/>
   <a:extLst>
     <a:ext uri="{05A4C25C-085E-4340-85A3-A5531E510DB2}">
-      <thm15:themeFamily xmlns:thm15="http://schemas.microsoft.com/office/thememl/2012/main" xmlns="" name="Office Theme" id="{62F939B6-93AF-4DB8-9C6B-D6C7DFDC589F}" vid="{4A3C46E8-61CC-4603-A589-7422A47A8E4A}"/>
+      <thm15:themeFamily xmlns:thm15="http://schemas.microsoft.com/office/thememl/2012/main" name="Office Theme" id="{62F939B6-93AF-4DB8-9C6B-D6C7DFDC589F}" vid="{4A3C46E8-61CC-4603-A589-7422A47A8E4A}"/>
     </a:ext>
   </a:extLst>
 </a:theme>
 </file>
 
 <file path=customXml/item1.xml><?xml version="1.0" encoding="utf-8"?>
+<p:properties xmlns:p="http://schemas.microsoft.com/office/2006/metadata/properties" xmlns:xsi="http://www.w3.org/2001/XMLSchema-instance" xmlns:pc="http://schemas.microsoft.com/office/infopath/2007/PartnerControls">
+  <documentManagement>
+    <_ip_UnifiedCompliancePolicyUIAction xmlns="http://schemas.microsoft.com/sharepoint/v3" xsi:nil="true"/>
+    <Image xmlns="71af3243-3dd4-4a8d-8c0d-dd76da1f02a5">
+      <Url xsi:nil="true"/>
+      <Description xsi:nil="true"/>
+    </Image>
+    <Status xmlns="71af3243-3dd4-4a8d-8c0d-dd76da1f02a5">Not started</Status>
+    <_ip_UnifiedCompliancePolicyProperties xmlns="http://schemas.microsoft.com/sharepoint/v3" xsi:nil="true"/>
+    <lcf76f155ced4ddcb4097134ff3c332f xmlns="71af3243-3dd4-4a8d-8c0d-dd76da1f02a5">
+      <Terms xmlns="http://schemas.microsoft.com/office/infopath/2007/PartnerControls"/>
+    </lcf76f155ced4ddcb4097134ff3c332f>
+    <TaxCatchAll xmlns="230e9df3-be65-4c73-a93b-d1236ebd677e"/>
+    <MediaServiceKeyPoints xmlns="71af3243-3dd4-4a8d-8c0d-dd76da1f02a5" xsi:nil="true"/>
+  </documentManagement>
+</p:properties>
+</file>
+
+<file path=customXml/item2.xml><?xml version="1.0" encoding="utf-8"?>
+<?mso-contentType ?>
+<FormTemplates xmlns="http://schemas.microsoft.com/sharepoint/v3/contenttype/forms">
+  <Display>DocumentLibraryForm</Display>
+  <Edit>DocumentLibraryForm</Edit>
+  <New>DocumentLibraryForm</New>
+</FormTemplates>
+</file>
+
+<file path=customXml/item3.xml><?xml version="1.0" encoding="utf-8"?>
 <ct:contentTypeSchema xmlns:ct="http://schemas.microsoft.com/office/2006/metadata/contentType" xmlns:ma="http://schemas.microsoft.com/office/2006/metadata/properties/metaAttributes" ct:_="" ma:_="" ma:contentTypeName="Document" ma:contentTypeID="0x01010079F111ED35F8CC479449609E8A0923A6" ma:contentTypeVersion="18" ma:contentTypeDescription="Create a new document." ma:contentTypeScope="" ma:versionID="22a266b9fa9a230c5a512669d8b298c3">
   <xsd:schema xmlns:xsd="http://www.w3.org/2001/XMLSchema" xmlns:xs="http://www.w3.org/2001/XMLSchema" xmlns:p="http://schemas.microsoft.com/office/2006/metadata/properties" xmlns:ns1="http://schemas.microsoft.com/sharepoint/v3" xmlns:ns2="71af3243-3dd4-4a8d-8c0d-dd76da1f02a5" xmlns:ns3="16c05727-aa75-4e4a-9b5f-8a80a1165891" xmlns:ns4="230e9df3-be65-4c73-a93b-d1236ebd677e" targetNamespace="http://schemas.microsoft.com/office/2006/metadata/properties" ma:root="true" ma:fieldsID="eddc33fff6b14141ee5c74a0d29ea6a1" ns1:_="" ns2:_="" ns3:_="" ns4:_="">
     <xsd:import namespace="http://schemas.microsoft.com/sharepoint/v3"/>
@@ -11964,35 +12352,27 @@
 </ct:contentTypeSchema>
 </file>
 
-<file path=customXml/item2.xml><?xml version="1.0" encoding="utf-8"?>
-<?mso-contentType ?>
-<FormTemplates xmlns="http://schemas.microsoft.com/sharepoint/v3/contenttype/forms">
-  <Display>DocumentLibraryForm</Display>
-  <Edit>DocumentLibraryForm</Edit>
-  <New>DocumentLibraryForm</New>
-</FormTemplates>
+<file path=customXml/itemProps1.xml><?xml version="1.0" encoding="utf-8"?>
+<ds:datastoreItem xmlns:ds="http://schemas.openxmlformats.org/officeDocument/2006/customXml" ds:itemID="{F81971ED-0722-4CF3-9522-6E6843A2D88D}">
+  <ds:schemaRefs>
+    <ds:schemaRef ds:uri="http://schemas.microsoft.com/office/2006/metadata/properties"/>
+    <ds:schemaRef ds:uri="http://schemas.microsoft.com/office/infopath/2007/PartnerControls"/>
+    <ds:schemaRef ds:uri="http://schemas.microsoft.com/sharepoint/v3"/>
+    <ds:schemaRef ds:uri="71af3243-3dd4-4a8d-8c0d-dd76da1f02a5"/>
+    <ds:schemaRef ds:uri="230e9df3-be65-4c73-a93b-d1236ebd677e"/>
+  </ds:schemaRefs>
+</ds:datastoreItem>
 </file>
 
-<file path=customXml/item3.xml><?xml version="1.0" encoding="utf-8"?>
-<p:properties xmlns:p="http://schemas.microsoft.com/office/2006/metadata/properties" xmlns:xsi="http://www.w3.org/2001/XMLSchema-instance" xmlns:pc="http://schemas.microsoft.com/office/infopath/2007/PartnerControls">
-  <documentManagement>
-    <_ip_UnifiedCompliancePolicyUIAction xmlns="http://schemas.microsoft.com/sharepoint/v3" xsi:nil="true"/>
-    <Image xmlns="71af3243-3dd4-4a8d-8c0d-dd76da1f02a5">
-      <Url xsi:nil="true"/>
-      <Description xsi:nil="true"/>
-    </Image>
-    <Status xmlns="71af3243-3dd4-4a8d-8c0d-dd76da1f02a5">Not started</Status>
-    <_ip_UnifiedCompliancePolicyProperties xmlns="http://schemas.microsoft.com/sharepoint/v3" xsi:nil="true"/>
-    <lcf76f155ced4ddcb4097134ff3c332f xmlns="71af3243-3dd4-4a8d-8c0d-dd76da1f02a5">
-      <Terms xmlns="http://schemas.microsoft.com/office/infopath/2007/PartnerControls"/>
-    </lcf76f155ced4ddcb4097134ff3c332f>
-    <TaxCatchAll xmlns="230e9df3-be65-4c73-a93b-d1236ebd677e"/>
-    <MediaServiceKeyPoints xmlns="71af3243-3dd4-4a8d-8c0d-dd76da1f02a5" xsi:nil="true"/>
-  </documentManagement>
-</p:properties>
+<file path=customXml/itemProps2.xml><?xml version="1.0" encoding="utf-8"?>
+<ds:datastoreItem xmlns:ds="http://schemas.openxmlformats.org/officeDocument/2006/customXml" ds:itemID="{DAB27884-F043-4BF1-A4FB-D6C1216AE526}">
+  <ds:schemaRefs>
+    <ds:schemaRef ds:uri="http://schemas.microsoft.com/sharepoint/v3/contenttype/forms"/>
+  </ds:schemaRefs>
+</ds:datastoreItem>
 </file>
 
-<file path=customXml/itemProps1.xml><?xml version="1.0" encoding="utf-8"?>
+<file path=customXml/itemProps3.xml><?xml version="1.0" encoding="utf-8"?>
 <ds:datastoreItem xmlns:ds="http://schemas.openxmlformats.org/officeDocument/2006/customXml" ds:itemID="{91E06989-8323-4451-A21F-821A6C247885}">
   <ds:schemaRefs>
     <ds:schemaRef ds:uri="http://schemas.microsoft.com/office/2006/metadata/contentType"/>
@@ -12013,26 +12393,6 @@
 </ds:datastoreItem>
 </file>
 
-<file path=customXml/itemProps2.xml><?xml version="1.0" encoding="utf-8"?>
-<ds:datastoreItem xmlns:ds="http://schemas.openxmlformats.org/officeDocument/2006/customXml" ds:itemID="{DAB27884-F043-4BF1-A4FB-D6C1216AE526}">
-  <ds:schemaRefs>
-    <ds:schemaRef ds:uri="http://schemas.microsoft.com/sharepoint/v3/contenttype/forms"/>
-  </ds:schemaRefs>
-</ds:datastoreItem>
-</file>
-
-<file path=customXml/itemProps3.xml><?xml version="1.0" encoding="utf-8"?>
-<ds:datastoreItem xmlns:ds="http://schemas.openxmlformats.org/officeDocument/2006/customXml" ds:itemID="{F81971ED-0722-4CF3-9522-6E6843A2D88D}">
-  <ds:schemaRefs>
-    <ds:schemaRef ds:uri="http://schemas.microsoft.com/office/2006/metadata/properties"/>
-    <ds:schemaRef ds:uri="http://schemas.microsoft.com/office/infopath/2007/PartnerControls"/>
-    <ds:schemaRef ds:uri="http://schemas.microsoft.com/sharepoint/v3"/>
-    <ds:schemaRef ds:uri="71af3243-3dd4-4a8d-8c0d-dd76da1f02a5"/>
-    <ds:schemaRef ds:uri="230e9df3-be65-4c73-a93b-d1236ebd677e"/>
-  </ds:schemaRefs>
-</ds:datastoreItem>
-</file>
-
 <file path=docMetadata/LabelInfo.xml><?xml version="1.0" encoding="utf-8"?>
 <clbl:labelList xmlns:clbl="http://schemas.microsoft.com/office/2020/mipLabelMetadata">
   <clbl:label id="{f42aa342-8706-4288-bd11-ebb85995028c}" enabled="1" method="Standard" siteId="{72f988bf-86f1-41af-91ab-2d7cd011db47}" removed="0"/>
